--- a/Introducing_RE/Introducing_RE.pptx
+++ b/Introducing_RE/Introducing_RE.pptx
@@ -5,15 +5,16 @@
     <p:sldMasterId id="2147483648" r:id="rId4"/>
   </p:sldMasterIdLst>
   <p:notesMasterIdLst>
-    <p:notesMasterId r:id="rId8"/>
+    <p:notesMasterId r:id="rId9"/>
   </p:notesMasterIdLst>
   <p:handoutMasterIdLst>
-    <p:handoutMasterId r:id="rId9"/>
+    <p:handoutMasterId r:id="rId10"/>
   </p:handoutMasterIdLst>
   <p:sldIdLst>
     <p:sldId id="256" r:id="rId5"/>
     <p:sldId id="260" r:id="rId6"/>
-    <p:sldId id="267" r:id="rId7"/>
+    <p:sldId id="268" r:id="rId7"/>
+    <p:sldId id="267" r:id="rId8"/>
   </p:sldIdLst>
   <p:sldSz cx="12192000" cy="6858000"/>
   <p:notesSz cx="6858000" cy="9144000"/>
@@ -845,6 +846,114 @@
   <p:cSld>
     <p:spTree>
       <p:nvGrpSpPr>
+        <p:cNvPr id="1" name="">
+          <a:extLst>
+            <a:ext uri="{FF2B5EF4-FFF2-40B4-BE49-F238E27FC236}">
+              <a16:creationId xmlns:a16="http://schemas.microsoft.com/office/drawing/2014/main" id="{7A79B128-E7B1-63EA-C652-B549B18EE776}"/>
+            </a:ext>
+          </a:extLst>
+        </p:cNvPr>
+        <p:cNvGrpSpPr/>
+        <p:nvPr/>
+      </p:nvGrpSpPr>
+      <p:grpSpPr>
+        <a:xfrm>
+          <a:off x="0" y="0"/>
+          <a:ext cx="0" cy="0"/>
+          <a:chOff x="0" y="0"/>
+          <a:chExt cx="0" cy="0"/>
+        </a:xfrm>
+      </p:grpSpPr>
+      <p:sp>
+        <p:nvSpPr>
+          <p:cNvPr id="2" name="Slide Image Placeholder 1">
+            <a:extLst>
+              <a:ext uri="{FF2B5EF4-FFF2-40B4-BE49-F238E27FC236}">
+                <a16:creationId xmlns:a16="http://schemas.microsoft.com/office/drawing/2014/main" id="{FE7CE4D9-2D4D-2E55-227F-F1D866892CB3}"/>
+              </a:ext>
+            </a:extLst>
+          </p:cNvPr>
+          <p:cNvSpPr>
+            <a:spLocks noGrp="1" noRot="1" noChangeAspect="1"/>
+          </p:cNvSpPr>
+          <p:nvPr>
+            <p:ph type="sldImg"/>
+          </p:nvPr>
+        </p:nvSpPr>
+        <p:spPr/>
+      </p:sp>
+      <p:sp>
+        <p:nvSpPr>
+          <p:cNvPr id="3" name="Notes Placeholder 2">
+            <a:extLst>
+              <a:ext uri="{FF2B5EF4-FFF2-40B4-BE49-F238E27FC236}">
+                <a16:creationId xmlns:a16="http://schemas.microsoft.com/office/drawing/2014/main" id="{0792661C-2BFF-C9D1-77C1-2766966F65D0}"/>
+              </a:ext>
+            </a:extLst>
+          </p:cNvPr>
+          <p:cNvSpPr>
+            <a:spLocks noGrp="1"/>
+          </p:cNvSpPr>
+          <p:nvPr>
+            <p:ph type="body" idx="1"/>
+          </p:nvPr>
+        </p:nvSpPr>
+        <p:spPr/>
+        <p:txBody>
+          <a:bodyPr/>
+          <a:lstStyle/>
+          <a:p>
+            <a:endParaRPr lang="en-US" dirty="0"/>
+          </a:p>
+        </p:txBody>
+      </p:sp>
+      <p:sp>
+        <p:nvSpPr>
+          <p:cNvPr id="4" name="Slide Number Placeholder 3">
+            <a:extLst>
+              <a:ext uri="{FF2B5EF4-FFF2-40B4-BE49-F238E27FC236}">
+                <a16:creationId xmlns:a16="http://schemas.microsoft.com/office/drawing/2014/main" id="{D7F91336-B904-D339-84A2-429872AB4EAE}"/>
+              </a:ext>
+            </a:extLst>
+          </p:cNvPr>
+          <p:cNvSpPr>
+            <a:spLocks noGrp="1"/>
+          </p:cNvSpPr>
+          <p:nvPr>
+            <p:ph type="sldNum" sz="quarter" idx="5"/>
+          </p:nvPr>
+        </p:nvSpPr>
+        <p:spPr/>
+        <p:txBody>
+          <a:bodyPr/>
+          <a:lstStyle/>
+          <a:p>
+            <a:fld id="{EE000EEB-8338-48D7-8EE8-EE0082EF7602}" type="slidenum">
+              <a:rPr lang="en-US" smtClean="0"/>
+              <a:t>3</a:t>
+            </a:fld>
+            <a:endParaRPr lang="en-US" dirty="0"/>
+          </a:p>
+        </p:txBody>
+      </p:sp>
+    </p:spTree>
+    <p:extLst>
+      <p:ext uri="{BB962C8B-B14F-4D97-AF65-F5344CB8AC3E}">
+        <p14:creationId xmlns:p14="http://schemas.microsoft.com/office/powerpoint/2010/main" val="1502947049"/>
+      </p:ext>
+    </p:extLst>
+  </p:cSld>
+  <p:clrMapOvr>
+    <a:masterClrMapping/>
+  </p:clrMapOvr>
+</p:notes>
+</file>
+
+<file path=ppt/notesSlides/notesSlide4.xml><?xml version="1.0" encoding="utf-8"?>
+<p:notes xmlns:a="http://schemas.openxmlformats.org/drawingml/2006/main" xmlns:r="http://schemas.openxmlformats.org/officeDocument/2006/relationships" xmlns:p="http://schemas.openxmlformats.org/presentationml/2006/main">
+  <p:cSld>
+    <p:spTree>
+      <p:nvGrpSpPr>
         <p:cNvPr id="1" name=""/>
         <p:cNvGrpSpPr/>
         <p:nvPr/>
@@ -905,7 +1014,7 @@
           <a:p>
             <a:fld id="{EE000EEB-8338-48D7-8EE8-EE0082EF7602}" type="slidenum">
               <a:rPr lang="en-US" smtClean="0"/>
-              <a:t>3</a:t>
+              <a:t>4</a:t>
             </a:fld>
             <a:endParaRPr lang="en-US" dirty="0"/>
           </a:p>
@@ -7070,6 +7179,135 @@
   <p:clrMapOvr>
     <a:masterClrMapping/>
   </p:clrMapOvr>
+  <p:timing>
+    <p:tnLst>
+      <p:par>
+        <p:cTn id="1" dur="indefinite" restart="never" nodeType="tmRoot">
+          <p:childTnLst>
+            <p:seq concurrent="1" nextAc="seek">
+              <p:cTn id="2" dur="indefinite" nodeType="mainSeq">
+                <p:childTnLst>
+                  <p:par>
+                    <p:cTn id="3" fill="hold">
+                      <p:stCondLst>
+                        <p:cond delay="indefinite"/>
+                      </p:stCondLst>
+                      <p:childTnLst>
+                        <p:par>
+                          <p:cTn id="4" fill="hold">
+                            <p:stCondLst>
+                              <p:cond delay="0"/>
+                            </p:stCondLst>
+                            <p:childTnLst>
+                              <p:par>
+                                <p:cTn id="5" presetID="53" presetClass="entr" presetSubtype="16" fill="hold" nodeType="clickEffect">
+                                  <p:stCondLst>
+                                    <p:cond delay="0"/>
+                                  </p:stCondLst>
+                                  <p:childTnLst>
+                                    <p:set>
+                                      <p:cBhvr>
+                                        <p:cTn id="6" dur="1" fill="hold">
+                                          <p:stCondLst>
+                                            <p:cond delay="0"/>
+                                          </p:stCondLst>
+                                        </p:cTn>
+                                        <p:tgtEl>
+                                          <p:spTgt spid="9"/>
+                                        </p:tgtEl>
+                                        <p:attrNameLst>
+                                          <p:attrName>style.visibility</p:attrName>
+                                        </p:attrNameLst>
+                                      </p:cBhvr>
+                                      <p:to>
+                                        <p:strVal val="visible"/>
+                                      </p:to>
+                                    </p:set>
+                                    <p:anim calcmode="lin" valueType="num">
+                                      <p:cBhvr>
+                                        <p:cTn id="7" dur="500" fill="hold"/>
+                                        <p:tgtEl>
+                                          <p:spTgt spid="9"/>
+                                        </p:tgtEl>
+                                        <p:attrNameLst>
+                                          <p:attrName>ppt_w</p:attrName>
+                                        </p:attrNameLst>
+                                      </p:cBhvr>
+                                      <p:tavLst>
+                                        <p:tav tm="0">
+                                          <p:val>
+                                            <p:fltVal val="0"/>
+                                          </p:val>
+                                        </p:tav>
+                                        <p:tav tm="100000">
+                                          <p:val>
+                                            <p:strVal val="#ppt_w"/>
+                                          </p:val>
+                                        </p:tav>
+                                      </p:tavLst>
+                                    </p:anim>
+                                    <p:anim calcmode="lin" valueType="num">
+                                      <p:cBhvr>
+                                        <p:cTn id="8" dur="500" fill="hold"/>
+                                        <p:tgtEl>
+                                          <p:spTgt spid="9"/>
+                                        </p:tgtEl>
+                                        <p:attrNameLst>
+                                          <p:attrName>ppt_h</p:attrName>
+                                        </p:attrNameLst>
+                                      </p:cBhvr>
+                                      <p:tavLst>
+                                        <p:tav tm="0">
+                                          <p:val>
+                                            <p:fltVal val="0"/>
+                                          </p:val>
+                                        </p:tav>
+                                        <p:tav tm="100000">
+                                          <p:val>
+                                            <p:strVal val="#ppt_h"/>
+                                          </p:val>
+                                        </p:tav>
+                                      </p:tavLst>
+                                    </p:anim>
+                                    <p:animEffect transition="in" filter="fade">
+                                      <p:cBhvr>
+                                        <p:cTn id="9" dur="500"/>
+                                        <p:tgtEl>
+                                          <p:spTgt spid="9"/>
+                                        </p:tgtEl>
+                                      </p:cBhvr>
+                                    </p:animEffect>
+                                  </p:childTnLst>
+                                </p:cTn>
+                              </p:par>
+                            </p:childTnLst>
+                          </p:cTn>
+                        </p:par>
+                      </p:childTnLst>
+                    </p:cTn>
+                  </p:par>
+                </p:childTnLst>
+              </p:cTn>
+              <p:prevCondLst>
+                <p:cond evt="onPrev" delay="0">
+                  <p:tgtEl>
+                    <p:sldTgt/>
+                  </p:tgtEl>
+                </p:cond>
+              </p:prevCondLst>
+              <p:nextCondLst>
+                <p:cond evt="onNext" delay="0">
+                  <p:tgtEl>
+                    <p:sldTgt/>
+                  </p:tgtEl>
+                </p:cond>
+              </p:nextCondLst>
+            </p:seq>
+          </p:childTnLst>
+        </p:cTn>
+      </p:par>
+    </p:tnLst>
+  </p:timing>
 </p:sld>
 </file>
 
@@ -7327,6 +7565,265 @@
 </file>
 
 <file path=ppt/slides/slide3.xml><?xml version="1.0" encoding="utf-8"?>
+<p:sld xmlns:a="http://schemas.openxmlformats.org/drawingml/2006/main" xmlns:r="http://schemas.openxmlformats.org/officeDocument/2006/relationships" xmlns:p="http://schemas.openxmlformats.org/presentationml/2006/main">
+  <p:cSld>
+    <p:spTree>
+      <p:nvGrpSpPr>
+        <p:cNvPr id="1" name="">
+          <a:extLst>
+            <a:ext uri="{FF2B5EF4-FFF2-40B4-BE49-F238E27FC236}">
+              <a16:creationId xmlns:a16="http://schemas.microsoft.com/office/drawing/2014/main" id="{A1D1C626-1F42-7F60-1D1E-30C2FA5AE0CE}"/>
+            </a:ext>
+          </a:extLst>
+        </p:cNvPr>
+        <p:cNvGrpSpPr/>
+        <p:nvPr/>
+      </p:nvGrpSpPr>
+      <p:grpSpPr>
+        <a:xfrm>
+          <a:off x="0" y="0"/>
+          <a:ext cx="0" cy="0"/>
+          <a:chOff x="0" y="0"/>
+          <a:chExt cx="0" cy="0"/>
+        </a:xfrm>
+      </p:grpSpPr>
+      <p:sp>
+        <p:nvSpPr>
+          <p:cNvPr id="2" name="Title 1">
+            <a:extLst>
+              <a:ext uri="{FF2B5EF4-FFF2-40B4-BE49-F238E27FC236}">
+                <a16:creationId xmlns:a16="http://schemas.microsoft.com/office/drawing/2014/main" id="{B978B4E2-D726-69CD-4FAF-385840F12E53}"/>
+              </a:ext>
+            </a:extLst>
+          </p:cNvPr>
+          <p:cNvSpPr>
+            <a:spLocks noGrp="1"/>
+          </p:cNvSpPr>
+          <p:nvPr>
+            <p:ph type="title"/>
+          </p:nvPr>
+        </p:nvSpPr>
+        <p:spPr>
+          <a:xfrm>
+            <a:off x="1735055" y="174946"/>
+            <a:ext cx="10166659" cy="1400530"/>
+          </a:xfrm>
+        </p:spPr>
+        <p:txBody>
+          <a:bodyPr/>
+          <a:lstStyle/>
+          <a:p>
+            <a:r>
+              <a:rPr lang="en-US" sz="3200" dirty="0"/>
+              <a:t>01. What is a Regular Expression?</a:t>
+            </a:r>
+            <a:br>
+              <a:rPr lang="en-US" sz="3200" dirty="0"/>
+            </a:br>
+            <a:r>
+              <a:rPr lang="en-US" sz="3200" dirty="0"/>
+              <a:t>01.02 Matching a North American Phone Number</a:t>
+            </a:r>
+            <a:endParaRPr lang="ru-RU" sz="3200" dirty="0"/>
+          </a:p>
+        </p:txBody>
+      </p:sp>
+      <p:sp>
+        <p:nvSpPr>
+          <p:cNvPr id="3" name="TextBox 2">
+            <a:extLst>
+              <a:ext uri="{FF2B5EF4-FFF2-40B4-BE49-F238E27FC236}">
+                <a16:creationId xmlns:a16="http://schemas.microsoft.com/office/drawing/2014/main" id="{2ACDCC6E-4C7F-E513-6F17-67020BE629AA}"/>
+              </a:ext>
+            </a:extLst>
+          </p:cNvPr>
+          <p:cNvSpPr txBox="1"/>
+          <p:nvPr/>
+        </p:nvSpPr>
+        <p:spPr>
+          <a:xfrm>
+            <a:off x="11506" y="8587"/>
+            <a:ext cx="1723549" cy="1015663"/>
+          </a:xfrm>
+          <a:prstGeom prst="rect">
+            <a:avLst/>
+          </a:prstGeom>
+          <a:noFill/>
+        </p:spPr>
+        <p:txBody>
+          <a:bodyPr wrap="none" rtlCol="0" anchor="ctr">
+            <a:spAutoFit/>
+          </a:bodyPr>
+          <a:lstStyle/>
+          <a:p>
+            <a:pPr algn="ctr"/>
+            <a:r>
+              <a:rPr lang="en-US" sz="6000" dirty="0">
+                <a:solidFill>
+                  <a:schemeClr val="tx1">
+                    <a:lumMod val="95000"/>
+                  </a:schemeClr>
+                </a:solidFill>
+                <a:latin typeface="Arial Black" panose="020B0A04020102020204" pitchFamily="34" charset="0"/>
+              </a:rPr>
+              <a:t>003</a:t>
+            </a:r>
+          </a:p>
+        </p:txBody>
+      </p:sp>
+      <p:pic>
+        <p:nvPicPr>
+          <p:cNvPr id="9" name="Picture 8">
+            <a:extLst>
+              <a:ext uri="{FF2B5EF4-FFF2-40B4-BE49-F238E27FC236}">
+                <a16:creationId xmlns:a16="http://schemas.microsoft.com/office/drawing/2014/main" id="{DC002ECC-9742-7660-E9D2-64FA6838F50E}"/>
+              </a:ext>
+            </a:extLst>
+          </p:cNvPr>
+          <p:cNvPicPr>
+            <a:picLocks noChangeAspect="1"/>
+          </p:cNvPicPr>
+          <p:nvPr/>
+        </p:nvPicPr>
+        <p:blipFill>
+          <a:blip r:embed="rId3"/>
+          <a:stretch>
+            <a:fillRect/>
+          </a:stretch>
+        </p:blipFill>
+        <p:spPr>
+          <a:xfrm>
+            <a:off x="115212" y="985329"/>
+            <a:ext cx="1516136" cy="2025644"/>
+          </a:xfrm>
+          <a:prstGeom prst="roundRect">
+            <a:avLst>
+              <a:gd name="adj" fmla="val 8594"/>
+            </a:avLst>
+          </a:prstGeom>
+          <a:solidFill>
+            <a:srgbClr val="FFFFFF">
+              <a:shade val="85000"/>
+            </a:srgbClr>
+          </a:solidFill>
+          <a:ln>
+            <a:noFill/>
+          </a:ln>
+          <a:effectLst>
+            <a:reflection blurRad="12700" stA="38000" endPos="28000" dist="5000" dir="5400000" sy="-100000" algn="bl" rotWithShape="0"/>
+          </a:effectLst>
+        </p:spPr>
+      </p:pic>
+      <p:pic>
+        <p:nvPicPr>
+          <p:cNvPr id="7" name="Content Placeholder 6">
+            <a:extLst>
+              <a:ext uri="{FF2B5EF4-FFF2-40B4-BE49-F238E27FC236}">
+                <a16:creationId xmlns:a16="http://schemas.microsoft.com/office/drawing/2014/main" id="{7C40FB86-41AB-518B-3F79-75A91843B91C}"/>
+              </a:ext>
+            </a:extLst>
+          </p:cNvPr>
+          <p:cNvPicPr>
+            <a:picLocks noGrp="1" noChangeAspect="1"/>
+          </p:cNvPicPr>
+          <p:nvPr>
+            <p:ph idx="1"/>
+          </p:nvPr>
+        </p:nvPicPr>
+        <p:blipFill>
+          <a:blip r:embed="rId4"/>
+          <a:stretch>
+            <a:fillRect/>
+          </a:stretch>
+        </p:blipFill>
+        <p:spPr>
+          <a:xfrm>
+            <a:off x="2100369" y="1331118"/>
+            <a:ext cx="4939060" cy="5386851"/>
+          </a:xfrm>
+          <a:prstGeom prst="rect">
+            <a:avLst/>
+          </a:prstGeom>
+          <a:ln>
+            <a:noFill/>
+          </a:ln>
+          <a:effectLst>
+            <a:outerShdw blurRad="292100" dist="139700" dir="2700000" algn="tl" rotWithShape="0">
+              <a:srgbClr val="333333">
+                <a:alpha val="65000"/>
+              </a:srgbClr>
+            </a:outerShdw>
+          </a:effectLst>
+        </p:spPr>
+      </p:pic>
+      <p:pic>
+        <p:nvPicPr>
+          <p:cNvPr id="12" name="Picture 11">
+            <a:extLst>
+              <a:ext uri="{FF2B5EF4-FFF2-40B4-BE49-F238E27FC236}">
+                <a16:creationId xmlns:a16="http://schemas.microsoft.com/office/drawing/2014/main" id="{0F8C403E-4ED1-0D61-157F-DC3FF2CA0885}"/>
+              </a:ext>
+            </a:extLst>
+          </p:cNvPr>
+          <p:cNvPicPr>
+            <a:picLocks noChangeAspect="1"/>
+          </p:cNvPicPr>
+          <p:nvPr/>
+        </p:nvPicPr>
+        <p:blipFill>
+          <a:blip r:embed="rId5"/>
+          <a:stretch>
+            <a:fillRect/>
+          </a:stretch>
+        </p:blipFill>
+        <p:spPr>
+          <a:xfrm>
+            <a:off x="6337898" y="2729479"/>
+            <a:ext cx="5738890" cy="2633094"/>
+          </a:xfrm>
+          <a:prstGeom prst="roundRect">
+            <a:avLst>
+              <a:gd name="adj" fmla="val 16667"/>
+            </a:avLst>
+          </a:prstGeom>
+          <a:ln>
+            <a:noFill/>
+          </a:ln>
+          <a:effectLst>
+            <a:outerShdw blurRad="152400" dist="12000" dir="900000" sy="98000" kx="110000" ky="200000" algn="tl" rotWithShape="0">
+              <a:srgbClr val="000000">
+                <a:alpha val="30000"/>
+              </a:srgbClr>
+            </a:outerShdw>
+          </a:effectLst>
+          <a:scene3d>
+            <a:camera prst="perspectiveRelaxed">
+              <a:rot lat="19800000" lon="1200000" rev="20820000"/>
+            </a:camera>
+            <a:lightRig rig="threePt" dir="t"/>
+          </a:scene3d>
+          <a:sp3d contourW="6350" prstMaterial="matte">
+            <a:bevelT w="101600" h="101600"/>
+            <a:contourClr>
+              <a:srgbClr val="969696"/>
+            </a:contourClr>
+          </a:sp3d>
+        </p:spPr>
+      </p:pic>
+    </p:spTree>
+    <p:extLst>
+      <p:ext uri="{BB962C8B-B14F-4D97-AF65-F5344CB8AC3E}">
+        <p14:creationId xmlns:p14="http://schemas.microsoft.com/office/powerpoint/2010/main" val="1240828960"/>
+      </p:ext>
+    </p:extLst>
+  </p:cSld>
+  <p:clrMapOvr>
+    <a:masterClrMapping/>
+  </p:clrMapOvr>
+</p:sld>
+</file>
+
+<file path=ppt/slides/slide4.xml><?xml version="1.0" encoding="utf-8"?>
 <p:sld xmlns:a="http://schemas.openxmlformats.org/drawingml/2006/main" xmlns:r="http://schemas.openxmlformats.org/officeDocument/2006/relationships" xmlns:p="http://schemas.openxmlformats.org/presentationml/2006/main">
   <p:cSld>
     <p:bg>

--- a/Introducing_RE/Introducing_RE.pptx
+++ b/Introducing_RE/Introducing_RE.pptx
@@ -5,16 +5,23 @@
     <p:sldMasterId id="2147483648" r:id="rId4"/>
   </p:sldMasterIdLst>
   <p:notesMasterIdLst>
-    <p:notesMasterId r:id="rId9"/>
+    <p:notesMasterId r:id="rId16"/>
   </p:notesMasterIdLst>
   <p:handoutMasterIdLst>
-    <p:handoutMasterId r:id="rId10"/>
+    <p:handoutMasterId r:id="rId17"/>
   </p:handoutMasterIdLst>
   <p:sldIdLst>
     <p:sldId id="256" r:id="rId5"/>
     <p:sldId id="260" r:id="rId6"/>
     <p:sldId id="268" r:id="rId7"/>
-    <p:sldId id="267" r:id="rId8"/>
+    <p:sldId id="269" r:id="rId8"/>
+    <p:sldId id="270" r:id="rId9"/>
+    <p:sldId id="271" r:id="rId10"/>
+    <p:sldId id="272" r:id="rId11"/>
+    <p:sldId id="273" r:id="rId12"/>
+    <p:sldId id="274" r:id="rId13"/>
+    <p:sldId id="275" r:id="rId14"/>
+    <p:sldId id="267" r:id="rId15"/>
   </p:sldIdLst>
   <p:sldSz cx="12192000" cy="6858000"/>
   <p:notesSz cx="6858000" cy="9144000"/>
@@ -229,7 +236,7 @@
           <a:p>
             <a:fld id="{F6E59275-AFE1-4999-B78A-D0D76B9F2B0B}" type="datetimeFigureOut">
               <a:rPr lang="en-US" smtClean="0"/>
-              <a:t>4/26/2025</a:t>
+              <a:t>4/27/2025</a:t>
             </a:fld>
             <a:endParaRPr lang="en-US" dirty="0"/>
           </a:p>
@@ -406,7 +413,7 @@
           <a:p>
             <a:fld id="{B3EADD7A-FE61-48EE-BE0E-8546E5401374}" type="datetimeFigureOut">
               <a:rPr lang="en-US" smtClean="0"/>
-              <a:t>4/26/2025</a:t>
+              <a:t>4/27/2025</a:t>
             </a:fld>
             <a:endParaRPr lang="en-US" dirty="0"/>
           </a:p>
@@ -757,6 +764,198 @@
 </p:notes>
 </file>
 
+<file path=ppt/notesSlides/notesSlide10.xml><?xml version="1.0" encoding="utf-8"?>
+<p:notes xmlns:a="http://schemas.openxmlformats.org/drawingml/2006/main" xmlns:r="http://schemas.openxmlformats.org/officeDocument/2006/relationships" xmlns:p="http://schemas.openxmlformats.org/presentationml/2006/main">
+  <p:cSld>
+    <p:spTree>
+      <p:nvGrpSpPr>
+        <p:cNvPr id="1" name="">
+          <a:extLst>
+            <a:ext uri="{FF2B5EF4-FFF2-40B4-BE49-F238E27FC236}">
+              <a16:creationId xmlns:a16="http://schemas.microsoft.com/office/drawing/2014/main" id="{132220FC-58B5-9083-9E9B-AFD8143DA86D}"/>
+            </a:ext>
+          </a:extLst>
+        </p:cNvPr>
+        <p:cNvGrpSpPr/>
+        <p:nvPr/>
+      </p:nvGrpSpPr>
+      <p:grpSpPr>
+        <a:xfrm>
+          <a:off x="0" y="0"/>
+          <a:ext cx="0" cy="0"/>
+          <a:chOff x="0" y="0"/>
+          <a:chExt cx="0" cy="0"/>
+        </a:xfrm>
+      </p:grpSpPr>
+      <p:sp>
+        <p:nvSpPr>
+          <p:cNvPr id="2" name="Slide Image Placeholder 1">
+            <a:extLst>
+              <a:ext uri="{FF2B5EF4-FFF2-40B4-BE49-F238E27FC236}">
+                <a16:creationId xmlns:a16="http://schemas.microsoft.com/office/drawing/2014/main" id="{B5EC0D90-3F4C-8845-BE2C-B31B42A4684D}"/>
+              </a:ext>
+            </a:extLst>
+          </p:cNvPr>
+          <p:cNvSpPr>
+            <a:spLocks noGrp="1" noRot="1" noChangeAspect="1"/>
+          </p:cNvSpPr>
+          <p:nvPr>
+            <p:ph type="sldImg"/>
+          </p:nvPr>
+        </p:nvSpPr>
+        <p:spPr/>
+      </p:sp>
+      <p:sp>
+        <p:nvSpPr>
+          <p:cNvPr id="3" name="Notes Placeholder 2">
+            <a:extLst>
+              <a:ext uri="{FF2B5EF4-FFF2-40B4-BE49-F238E27FC236}">
+                <a16:creationId xmlns:a16="http://schemas.microsoft.com/office/drawing/2014/main" id="{F026A3ED-F0EE-F404-8CFB-DF3FB5A6FDF6}"/>
+              </a:ext>
+            </a:extLst>
+          </p:cNvPr>
+          <p:cNvSpPr>
+            <a:spLocks noGrp="1"/>
+          </p:cNvSpPr>
+          <p:nvPr>
+            <p:ph type="body" idx="1"/>
+          </p:nvPr>
+        </p:nvSpPr>
+        <p:spPr/>
+        <p:txBody>
+          <a:bodyPr/>
+          <a:lstStyle/>
+          <a:p>
+            <a:endParaRPr lang="en-US" dirty="0"/>
+          </a:p>
+        </p:txBody>
+      </p:sp>
+      <p:sp>
+        <p:nvSpPr>
+          <p:cNvPr id="4" name="Slide Number Placeholder 3">
+            <a:extLst>
+              <a:ext uri="{FF2B5EF4-FFF2-40B4-BE49-F238E27FC236}">
+                <a16:creationId xmlns:a16="http://schemas.microsoft.com/office/drawing/2014/main" id="{28779B0E-D633-8619-BD37-E45985D7D45A}"/>
+              </a:ext>
+            </a:extLst>
+          </p:cNvPr>
+          <p:cNvSpPr>
+            <a:spLocks noGrp="1"/>
+          </p:cNvSpPr>
+          <p:nvPr>
+            <p:ph type="sldNum" sz="quarter" idx="5"/>
+          </p:nvPr>
+        </p:nvSpPr>
+        <p:spPr/>
+        <p:txBody>
+          <a:bodyPr/>
+          <a:lstStyle/>
+          <a:p>
+            <a:fld id="{EE000EEB-8338-48D7-8EE8-EE0082EF7602}" type="slidenum">
+              <a:rPr lang="en-US" smtClean="0"/>
+              <a:t>10</a:t>
+            </a:fld>
+            <a:endParaRPr lang="en-US" dirty="0"/>
+          </a:p>
+        </p:txBody>
+      </p:sp>
+    </p:spTree>
+    <p:extLst>
+      <p:ext uri="{BB962C8B-B14F-4D97-AF65-F5344CB8AC3E}">
+        <p14:creationId xmlns:p14="http://schemas.microsoft.com/office/powerpoint/2010/main" val="2863541946"/>
+      </p:ext>
+    </p:extLst>
+  </p:cSld>
+  <p:clrMapOvr>
+    <a:masterClrMapping/>
+  </p:clrMapOvr>
+</p:notes>
+</file>
+
+<file path=ppt/notesSlides/notesSlide11.xml><?xml version="1.0" encoding="utf-8"?>
+<p:notes xmlns:a="http://schemas.openxmlformats.org/drawingml/2006/main" xmlns:r="http://schemas.openxmlformats.org/officeDocument/2006/relationships" xmlns:p="http://schemas.openxmlformats.org/presentationml/2006/main">
+  <p:cSld>
+    <p:spTree>
+      <p:nvGrpSpPr>
+        <p:cNvPr id="1" name=""/>
+        <p:cNvGrpSpPr/>
+        <p:nvPr/>
+      </p:nvGrpSpPr>
+      <p:grpSpPr>
+        <a:xfrm>
+          <a:off x="0" y="0"/>
+          <a:ext cx="0" cy="0"/>
+          <a:chOff x="0" y="0"/>
+          <a:chExt cx="0" cy="0"/>
+        </a:xfrm>
+      </p:grpSpPr>
+      <p:sp>
+        <p:nvSpPr>
+          <p:cNvPr id="2" name="Slide Image Placeholder 1"/>
+          <p:cNvSpPr>
+            <a:spLocks noGrp="1" noRot="1" noChangeAspect="1"/>
+          </p:cNvSpPr>
+          <p:nvPr>
+            <p:ph type="sldImg"/>
+          </p:nvPr>
+        </p:nvSpPr>
+        <p:spPr/>
+      </p:sp>
+      <p:sp>
+        <p:nvSpPr>
+          <p:cNvPr id="3" name="Notes Placeholder 2"/>
+          <p:cNvSpPr>
+            <a:spLocks noGrp="1"/>
+          </p:cNvSpPr>
+          <p:nvPr>
+            <p:ph type="body" idx="1"/>
+          </p:nvPr>
+        </p:nvSpPr>
+        <p:spPr/>
+        <p:txBody>
+          <a:bodyPr/>
+          <a:lstStyle/>
+          <a:p>
+            <a:endParaRPr lang="en-US" dirty="0"/>
+          </a:p>
+        </p:txBody>
+      </p:sp>
+      <p:sp>
+        <p:nvSpPr>
+          <p:cNvPr id="4" name="Slide Number Placeholder 3"/>
+          <p:cNvSpPr>
+            <a:spLocks noGrp="1"/>
+          </p:cNvSpPr>
+          <p:nvPr>
+            <p:ph type="sldNum" sz="quarter" idx="5"/>
+          </p:nvPr>
+        </p:nvSpPr>
+        <p:spPr/>
+        <p:txBody>
+          <a:bodyPr/>
+          <a:lstStyle/>
+          <a:p>
+            <a:fld id="{EE000EEB-8338-48D7-8EE8-EE0082EF7602}" type="slidenum">
+              <a:rPr lang="en-US" smtClean="0"/>
+              <a:t>11</a:t>
+            </a:fld>
+            <a:endParaRPr lang="en-US" dirty="0"/>
+          </a:p>
+        </p:txBody>
+      </p:sp>
+    </p:spTree>
+    <p:extLst>
+      <p:ext uri="{BB962C8B-B14F-4D97-AF65-F5344CB8AC3E}">
+        <p14:creationId xmlns:p14="http://schemas.microsoft.com/office/powerpoint/2010/main" val="3672966601"/>
+      </p:ext>
+    </p:extLst>
+  </p:cSld>
+  <p:clrMapOvr>
+    <a:masterClrMapping/>
+  </p:clrMapOvr>
+</p:notes>
+</file>
+
 <file path=ppt/notesSlides/notesSlide2.xml><?xml version="1.0" encoding="utf-8"?>
 <p:notes xmlns:a="http://schemas.openxmlformats.org/drawingml/2006/main" xmlns:r="http://schemas.openxmlformats.org/officeDocument/2006/relationships" xmlns:p="http://schemas.openxmlformats.org/presentationml/2006/main">
   <p:cSld>
@@ -954,7 +1153,13 @@
   <p:cSld>
     <p:spTree>
       <p:nvGrpSpPr>
-        <p:cNvPr id="1" name=""/>
+        <p:cNvPr id="1" name="">
+          <a:extLst>
+            <a:ext uri="{FF2B5EF4-FFF2-40B4-BE49-F238E27FC236}">
+              <a16:creationId xmlns:a16="http://schemas.microsoft.com/office/drawing/2014/main" id="{AFD222D5-D1DD-D9CE-29E1-3794F1D2C791}"/>
+            </a:ext>
+          </a:extLst>
+        </p:cNvPr>
         <p:cNvGrpSpPr/>
         <p:nvPr/>
       </p:nvGrpSpPr>
@@ -968,7 +1173,13 @@
       </p:grpSpPr>
       <p:sp>
         <p:nvSpPr>
-          <p:cNvPr id="2" name="Slide Image Placeholder 1"/>
+          <p:cNvPr id="2" name="Slide Image Placeholder 1">
+            <a:extLst>
+              <a:ext uri="{FF2B5EF4-FFF2-40B4-BE49-F238E27FC236}">
+                <a16:creationId xmlns:a16="http://schemas.microsoft.com/office/drawing/2014/main" id="{8F4F7A7F-DEE3-4BB8-92B1-2BA13BB59904}"/>
+              </a:ext>
+            </a:extLst>
+          </p:cNvPr>
           <p:cNvSpPr>
             <a:spLocks noGrp="1" noRot="1" noChangeAspect="1"/>
           </p:cNvSpPr>
@@ -980,7 +1191,13 @@
       </p:sp>
       <p:sp>
         <p:nvSpPr>
-          <p:cNvPr id="3" name="Notes Placeholder 2"/>
+          <p:cNvPr id="3" name="Notes Placeholder 2">
+            <a:extLst>
+              <a:ext uri="{FF2B5EF4-FFF2-40B4-BE49-F238E27FC236}">
+                <a16:creationId xmlns:a16="http://schemas.microsoft.com/office/drawing/2014/main" id="{545CA27B-CA1D-3B66-5358-D63DBB03A914}"/>
+              </a:ext>
+            </a:extLst>
+          </p:cNvPr>
           <p:cNvSpPr>
             <a:spLocks noGrp="1"/>
           </p:cNvSpPr>
@@ -999,7 +1216,13 @@
       </p:sp>
       <p:sp>
         <p:nvSpPr>
-          <p:cNvPr id="4" name="Slide Number Placeholder 3"/>
+          <p:cNvPr id="4" name="Slide Number Placeholder 3">
+            <a:extLst>
+              <a:ext uri="{FF2B5EF4-FFF2-40B4-BE49-F238E27FC236}">
+                <a16:creationId xmlns:a16="http://schemas.microsoft.com/office/drawing/2014/main" id="{2EBE932D-BD23-0EFA-385E-A3286D8DC016}"/>
+              </a:ext>
+            </a:extLst>
+          </p:cNvPr>
           <p:cNvSpPr>
             <a:spLocks noGrp="1"/>
           </p:cNvSpPr>
@@ -1023,7 +1246,547 @@
     </p:spTree>
     <p:extLst>
       <p:ext uri="{BB962C8B-B14F-4D97-AF65-F5344CB8AC3E}">
-        <p14:creationId xmlns:p14="http://schemas.microsoft.com/office/powerpoint/2010/main" val="3672966601"/>
+        <p14:creationId xmlns:p14="http://schemas.microsoft.com/office/powerpoint/2010/main" val="4211793232"/>
+      </p:ext>
+    </p:extLst>
+  </p:cSld>
+  <p:clrMapOvr>
+    <a:masterClrMapping/>
+  </p:clrMapOvr>
+</p:notes>
+</file>
+
+<file path=ppt/notesSlides/notesSlide5.xml><?xml version="1.0" encoding="utf-8"?>
+<p:notes xmlns:a="http://schemas.openxmlformats.org/drawingml/2006/main" xmlns:r="http://schemas.openxmlformats.org/officeDocument/2006/relationships" xmlns:p="http://schemas.openxmlformats.org/presentationml/2006/main">
+  <p:cSld>
+    <p:spTree>
+      <p:nvGrpSpPr>
+        <p:cNvPr id="1" name="">
+          <a:extLst>
+            <a:ext uri="{FF2B5EF4-FFF2-40B4-BE49-F238E27FC236}">
+              <a16:creationId xmlns:a16="http://schemas.microsoft.com/office/drawing/2014/main" id="{E7A5BD79-2477-81D6-5870-55620F0413BE}"/>
+            </a:ext>
+          </a:extLst>
+        </p:cNvPr>
+        <p:cNvGrpSpPr/>
+        <p:nvPr/>
+      </p:nvGrpSpPr>
+      <p:grpSpPr>
+        <a:xfrm>
+          <a:off x="0" y="0"/>
+          <a:ext cx="0" cy="0"/>
+          <a:chOff x="0" y="0"/>
+          <a:chExt cx="0" cy="0"/>
+        </a:xfrm>
+      </p:grpSpPr>
+      <p:sp>
+        <p:nvSpPr>
+          <p:cNvPr id="2" name="Slide Image Placeholder 1">
+            <a:extLst>
+              <a:ext uri="{FF2B5EF4-FFF2-40B4-BE49-F238E27FC236}">
+                <a16:creationId xmlns:a16="http://schemas.microsoft.com/office/drawing/2014/main" id="{74BF936C-239C-1C23-D7A0-80F884285C6C}"/>
+              </a:ext>
+            </a:extLst>
+          </p:cNvPr>
+          <p:cNvSpPr>
+            <a:spLocks noGrp="1" noRot="1" noChangeAspect="1"/>
+          </p:cNvSpPr>
+          <p:nvPr>
+            <p:ph type="sldImg"/>
+          </p:nvPr>
+        </p:nvSpPr>
+        <p:spPr/>
+      </p:sp>
+      <p:sp>
+        <p:nvSpPr>
+          <p:cNvPr id="3" name="Notes Placeholder 2">
+            <a:extLst>
+              <a:ext uri="{FF2B5EF4-FFF2-40B4-BE49-F238E27FC236}">
+                <a16:creationId xmlns:a16="http://schemas.microsoft.com/office/drawing/2014/main" id="{9B09E82D-87B3-B679-F57A-89CD4D0CC332}"/>
+              </a:ext>
+            </a:extLst>
+          </p:cNvPr>
+          <p:cNvSpPr>
+            <a:spLocks noGrp="1"/>
+          </p:cNvSpPr>
+          <p:nvPr>
+            <p:ph type="body" idx="1"/>
+          </p:nvPr>
+        </p:nvSpPr>
+        <p:spPr/>
+        <p:txBody>
+          <a:bodyPr/>
+          <a:lstStyle/>
+          <a:p>
+            <a:endParaRPr lang="en-US" dirty="0"/>
+          </a:p>
+        </p:txBody>
+      </p:sp>
+      <p:sp>
+        <p:nvSpPr>
+          <p:cNvPr id="4" name="Slide Number Placeholder 3">
+            <a:extLst>
+              <a:ext uri="{FF2B5EF4-FFF2-40B4-BE49-F238E27FC236}">
+                <a16:creationId xmlns:a16="http://schemas.microsoft.com/office/drawing/2014/main" id="{A1938C7B-9485-666A-62FE-43267E2D37C6}"/>
+              </a:ext>
+            </a:extLst>
+          </p:cNvPr>
+          <p:cNvSpPr>
+            <a:spLocks noGrp="1"/>
+          </p:cNvSpPr>
+          <p:nvPr>
+            <p:ph type="sldNum" sz="quarter" idx="5"/>
+          </p:nvPr>
+        </p:nvSpPr>
+        <p:spPr/>
+        <p:txBody>
+          <a:bodyPr/>
+          <a:lstStyle/>
+          <a:p>
+            <a:fld id="{EE000EEB-8338-48D7-8EE8-EE0082EF7602}" type="slidenum">
+              <a:rPr lang="en-US" smtClean="0"/>
+              <a:t>5</a:t>
+            </a:fld>
+            <a:endParaRPr lang="en-US" dirty="0"/>
+          </a:p>
+        </p:txBody>
+      </p:sp>
+    </p:spTree>
+    <p:extLst>
+      <p:ext uri="{BB962C8B-B14F-4D97-AF65-F5344CB8AC3E}">
+        <p14:creationId xmlns:p14="http://schemas.microsoft.com/office/powerpoint/2010/main" val="737925298"/>
+      </p:ext>
+    </p:extLst>
+  </p:cSld>
+  <p:clrMapOvr>
+    <a:masterClrMapping/>
+  </p:clrMapOvr>
+</p:notes>
+</file>
+
+<file path=ppt/notesSlides/notesSlide6.xml><?xml version="1.0" encoding="utf-8"?>
+<p:notes xmlns:a="http://schemas.openxmlformats.org/drawingml/2006/main" xmlns:r="http://schemas.openxmlformats.org/officeDocument/2006/relationships" xmlns:p="http://schemas.openxmlformats.org/presentationml/2006/main">
+  <p:cSld>
+    <p:spTree>
+      <p:nvGrpSpPr>
+        <p:cNvPr id="1" name="">
+          <a:extLst>
+            <a:ext uri="{FF2B5EF4-FFF2-40B4-BE49-F238E27FC236}">
+              <a16:creationId xmlns:a16="http://schemas.microsoft.com/office/drawing/2014/main" id="{8970823D-BACB-DA93-2CD5-26D9A41CB3E0}"/>
+            </a:ext>
+          </a:extLst>
+        </p:cNvPr>
+        <p:cNvGrpSpPr/>
+        <p:nvPr/>
+      </p:nvGrpSpPr>
+      <p:grpSpPr>
+        <a:xfrm>
+          <a:off x="0" y="0"/>
+          <a:ext cx="0" cy="0"/>
+          <a:chOff x="0" y="0"/>
+          <a:chExt cx="0" cy="0"/>
+        </a:xfrm>
+      </p:grpSpPr>
+      <p:sp>
+        <p:nvSpPr>
+          <p:cNvPr id="2" name="Slide Image Placeholder 1">
+            <a:extLst>
+              <a:ext uri="{FF2B5EF4-FFF2-40B4-BE49-F238E27FC236}">
+                <a16:creationId xmlns:a16="http://schemas.microsoft.com/office/drawing/2014/main" id="{961FDC11-C2C3-B118-7A79-608953F48788}"/>
+              </a:ext>
+            </a:extLst>
+          </p:cNvPr>
+          <p:cNvSpPr>
+            <a:spLocks noGrp="1" noRot="1" noChangeAspect="1"/>
+          </p:cNvSpPr>
+          <p:nvPr>
+            <p:ph type="sldImg"/>
+          </p:nvPr>
+        </p:nvSpPr>
+        <p:spPr/>
+      </p:sp>
+      <p:sp>
+        <p:nvSpPr>
+          <p:cNvPr id="3" name="Notes Placeholder 2">
+            <a:extLst>
+              <a:ext uri="{FF2B5EF4-FFF2-40B4-BE49-F238E27FC236}">
+                <a16:creationId xmlns:a16="http://schemas.microsoft.com/office/drawing/2014/main" id="{88FD5EB6-AA6C-EB35-2D08-00A3253A0495}"/>
+              </a:ext>
+            </a:extLst>
+          </p:cNvPr>
+          <p:cNvSpPr>
+            <a:spLocks noGrp="1"/>
+          </p:cNvSpPr>
+          <p:nvPr>
+            <p:ph type="body" idx="1"/>
+          </p:nvPr>
+        </p:nvSpPr>
+        <p:spPr/>
+        <p:txBody>
+          <a:bodyPr/>
+          <a:lstStyle/>
+          <a:p>
+            <a:endParaRPr lang="en-US" dirty="0"/>
+          </a:p>
+        </p:txBody>
+      </p:sp>
+      <p:sp>
+        <p:nvSpPr>
+          <p:cNvPr id="4" name="Slide Number Placeholder 3">
+            <a:extLst>
+              <a:ext uri="{FF2B5EF4-FFF2-40B4-BE49-F238E27FC236}">
+                <a16:creationId xmlns:a16="http://schemas.microsoft.com/office/drawing/2014/main" id="{6231DEE7-447E-B219-310A-F347A11A1F53}"/>
+              </a:ext>
+            </a:extLst>
+          </p:cNvPr>
+          <p:cNvSpPr>
+            <a:spLocks noGrp="1"/>
+          </p:cNvSpPr>
+          <p:nvPr>
+            <p:ph type="sldNum" sz="quarter" idx="5"/>
+          </p:nvPr>
+        </p:nvSpPr>
+        <p:spPr/>
+        <p:txBody>
+          <a:bodyPr/>
+          <a:lstStyle/>
+          <a:p>
+            <a:fld id="{EE000EEB-8338-48D7-8EE8-EE0082EF7602}" type="slidenum">
+              <a:rPr lang="en-US" smtClean="0"/>
+              <a:t>6</a:t>
+            </a:fld>
+            <a:endParaRPr lang="en-US" dirty="0"/>
+          </a:p>
+        </p:txBody>
+      </p:sp>
+    </p:spTree>
+    <p:extLst>
+      <p:ext uri="{BB962C8B-B14F-4D97-AF65-F5344CB8AC3E}">
+        <p14:creationId xmlns:p14="http://schemas.microsoft.com/office/powerpoint/2010/main" val="1979718331"/>
+      </p:ext>
+    </p:extLst>
+  </p:cSld>
+  <p:clrMapOvr>
+    <a:masterClrMapping/>
+  </p:clrMapOvr>
+</p:notes>
+</file>
+
+<file path=ppt/notesSlides/notesSlide7.xml><?xml version="1.0" encoding="utf-8"?>
+<p:notes xmlns:a="http://schemas.openxmlformats.org/drawingml/2006/main" xmlns:r="http://schemas.openxmlformats.org/officeDocument/2006/relationships" xmlns:p="http://schemas.openxmlformats.org/presentationml/2006/main">
+  <p:cSld>
+    <p:spTree>
+      <p:nvGrpSpPr>
+        <p:cNvPr id="1" name="">
+          <a:extLst>
+            <a:ext uri="{FF2B5EF4-FFF2-40B4-BE49-F238E27FC236}">
+              <a16:creationId xmlns:a16="http://schemas.microsoft.com/office/drawing/2014/main" id="{E07DF3C6-38B4-D558-8F55-90DC83F5C800}"/>
+            </a:ext>
+          </a:extLst>
+        </p:cNvPr>
+        <p:cNvGrpSpPr/>
+        <p:nvPr/>
+      </p:nvGrpSpPr>
+      <p:grpSpPr>
+        <a:xfrm>
+          <a:off x="0" y="0"/>
+          <a:ext cx="0" cy="0"/>
+          <a:chOff x="0" y="0"/>
+          <a:chExt cx="0" cy="0"/>
+        </a:xfrm>
+      </p:grpSpPr>
+      <p:sp>
+        <p:nvSpPr>
+          <p:cNvPr id="2" name="Slide Image Placeholder 1">
+            <a:extLst>
+              <a:ext uri="{FF2B5EF4-FFF2-40B4-BE49-F238E27FC236}">
+                <a16:creationId xmlns:a16="http://schemas.microsoft.com/office/drawing/2014/main" id="{B6C76438-2000-498F-5B78-8F26FBB1AAF7}"/>
+              </a:ext>
+            </a:extLst>
+          </p:cNvPr>
+          <p:cNvSpPr>
+            <a:spLocks noGrp="1" noRot="1" noChangeAspect="1"/>
+          </p:cNvSpPr>
+          <p:nvPr>
+            <p:ph type="sldImg"/>
+          </p:nvPr>
+        </p:nvSpPr>
+        <p:spPr/>
+      </p:sp>
+      <p:sp>
+        <p:nvSpPr>
+          <p:cNvPr id="3" name="Notes Placeholder 2">
+            <a:extLst>
+              <a:ext uri="{FF2B5EF4-FFF2-40B4-BE49-F238E27FC236}">
+                <a16:creationId xmlns:a16="http://schemas.microsoft.com/office/drawing/2014/main" id="{4D0F686E-D02C-A8A9-8AE6-C25C141830A2}"/>
+              </a:ext>
+            </a:extLst>
+          </p:cNvPr>
+          <p:cNvSpPr>
+            <a:spLocks noGrp="1"/>
+          </p:cNvSpPr>
+          <p:nvPr>
+            <p:ph type="body" idx="1"/>
+          </p:nvPr>
+        </p:nvSpPr>
+        <p:spPr/>
+        <p:txBody>
+          <a:bodyPr/>
+          <a:lstStyle/>
+          <a:p>
+            <a:endParaRPr lang="en-US" dirty="0"/>
+          </a:p>
+        </p:txBody>
+      </p:sp>
+      <p:sp>
+        <p:nvSpPr>
+          <p:cNvPr id="4" name="Slide Number Placeholder 3">
+            <a:extLst>
+              <a:ext uri="{FF2B5EF4-FFF2-40B4-BE49-F238E27FC236}">
+                <a16:creationId xmlns:a16="http://schemas.microsoft.com/office/drawing/2014/main" id="{E5D81560-9A4B-DC4E-C199-A25E84C61B1B}"/>
+              </a:ext>
+            </a:extLst>
+          </p:cNvPr>
+          <p:cNvSpPr>
+            <a:spLocks noGrp="1"/>
+          </p:cNvSpPr>
+          <p:nvPr>
+            <p:ph type="sldNum" sz="quarter" idx="5"/>
+          </p:nvPr>
+        </p:nvSpPr>
+        <p:spPr/>
+        <p:txBody>
+          <a:bodyPr/>
+          <a:lstStyle/>
+          <a:p>
+            <a:fld id="{EE000EEB-8338-48D7-8EE8-EE0082EF7602}" type="slidenum">
+              <a:rPr lang="en-US" smtClean="0"/>
+              <a:t>7</a:t>
+            </a:fld>
+            <a:endParaRPr lang="en-US" dirty="0"/>
+          </a:p>
+        </p:txBody>
+      </p:sp>
+    </p:spTree>
+    <p:extLst>
+      <p:ext uri="{BB962C8B-B14F-4D97-AF65-F5344CB8AC3E}">
+        <p14:creationId xmlns:p14="http://schemas.microsoft.com/office/powerpoint/2010/main" val="380123357"/>
+      </p:ext>
+    </p:extLst>
+  </p:cSld>
+  <p:clrMapOvr>
+    <a:masterClrMapping/>
+  </p:clrMapOvr>
+</p:notes>
+</file>
+
+<file path=ppt/notesSlides/notesSlide8.xml><?xml version="1.0" encoding="utf-8"?>
+<p:notes xmlns:a="http://schemas.openxmlformats.org/drawingml/2006/main" xmlns:r="http://schemas.openxmlformats.org/officeDocument/2006/relationships" xmlns:p="http://schemas.openxmlformats.org/presentationml/2006/main">
+  <p:cSld>
+    <p:spTree>
+      <p:nvGrpSpPr>
+        <p:cNvPr id="1" name="">
+          <a:extLst>
+            <a:ext uri="{FF2B5EF4-FFF2-40B4-BE49-F238E27FC236}">
+              <a16:creationId xmlns:a16="http://schemas.microsoft.com/office/drawing/2014/main" id="{A1E3B488-B88D-7034-2524-7261FCFEDECA}"/>
+            </a:ext>
+          </a:extLst>
+        </p:cNvPr>
+        <p:cNvGrpSpPr/>
+        <p:nvPr/>
+      </p:nvGrpSpPr>
+      <p:grpSpPr>
+        <a:xfrm>
+          <a:off x="0" y="0"/>
+          <a:ext cx="0" cy="0"/>
+          <a:chOff x="0" y="0"/>
+          <a:chExt cx="0" cy="0"/>
+        </a:xfrm>
+      </p:grpSpPr>
+      <p:sp>
+        <p:nvSpPr>
+          <p:cNvPr id="2" name="Slide Image Placeholder 1">
+            <a:extLst>
+              <a:ext uri="{FF2B5EF4-FFF2-40B4-BE49-F238E27FC236}">
+                <a16:creationId xmlns:a16="http://schemas.microsoft.com/office/drawing/2014/main" id="{FAEC0AB1-7F93-E799-36C9-E4E876F61112}"/>
+              </a:ext>
+            </a:extLst>
+          </p:cNvPr>
+          <p:cNvSpPr>
+            <a:spLocks noGrp="1" noRot="1" noChangeAspect="1"/>
+          </p:cNvSpPr>
+          <p:nvPr>
+            <p:ph type="sldImg"/>
+          </p:nvPr>
+        </p:nvSpPr>
+        <p:spPr/>
+      </p:sp>
+      <p:sp>
+        <p:nvSpPr>
+          <p:cNvPr id="3" name="Notes Placeholder 2">
+            <a:extLst>
+              <a:ext uri="{FF2B5EF4-FFF2-40B4-BE49-F238E27FC236}">
+                <a16:creationId xmlns:a16="http://schemas.microsoft.com/office/drawing/2014/main" id="{B5EB39A4-9F1A-852B-CD28-1DB5C6B56287}"/>
+              </a:ext>
+            </a:extLst>
+          </p:cNvPr>
+          <p:cNvSpPr>
+            <a:spLocks noGrp="1"/>
+          </p:cNvSpPr>
+          <p:nvPr>
+            <p:ph type="body" idx="1"/>
+          </p:nvPr>
+        </p:nvSpPr>
+        <p:spPr/>
+        <p:txBody>
+          <a:bodyPr/>
+          <a:lstStyle/>
+          <a:p>
+            <a:endParaRPr lang="en-US" dirty="0"/>
+          </a:p>
+        </p:txBody>
+      </p:sp>
+      <p:sp>
+        <p:nvSpPr>
+          <p:cNvPr id="4" name="Slide Number Placeholder 3">
+            <a:extLst>
+              <a:ext uri="{FF2B5EF4-FFF2-40B4-BE49-F238E27FC236}">
+                <a16:creationId xmlns:a16="http://schemas.microsoft.com/office/drawing/2014/main" id="{090BF16E-17F8-4114-1577-6B6EF9928EE1}"/>
+              </a:ext>
+            </a:extLst>
+          </p:cNvPr>
+          <p:cNvSpPr>
+            <a:spLocks noGrp="1"/>
+          </p:cNvSpPr>
+          <p:nvPr>
+            <p:ph type="sldNum" sz="quarter" idx="5"/>
+          </p:nvPr>
+        </p:nvSpPr>
+        <p:spPr/>
+        <p:txBody>
+          <a:bodyPr/>
+          <a:lstStyle/>
+          <a:p>
+            <a:fld id="{EE000EEB-8338-48D7-8EE8-EE0082EF7602}" type="slidenum">
+              <a:rPr lang="en-US" smtClean="0"/>
+              <a:t>8</a:t>
+            </a:fld>
+            <a:endParaRPr lang="en-US" dirty="0"/>
+          </a:p>
+        </p:txBody>
+      </p:sp>
+    </p:spTree>
+    <p:extLst>
+      <p:ext uri="{BB962C8B-B14F-4D97-AF65-F5344CB8AC3E}">
+        <p14:creationId xmlns:p14="http://schemas.microsoft.com/office/powerpoint/2010/main" val="3339305604"/>
+      </p:ext>
+    </p:extLst>
+  </p:cSld>
+  <p:clrMapOvr>
+    <a:masterClrMapping/>
+  </p:clrMapOvr>
+</p:notes>
+</file>
+
+<file path=ppt/notesSlides/notesSlide9.xml><?xml version="1.0" encoding="utf-8"?>
+<p:notes xmlns:a="http://schemas.openxmlformats.org/drawingml/2006/main" xmlns:r="http://schemas.openxmlformats.org/officeDocument/2006/relationships" xmlns:p="http://schemas.openxmlformats.org/presentationml/2006/main">
+  <p:cSld>
+    <p:spTree>
+      <p:nvGrpSpPr>
+        <p:cNvPr id="1" name="">
+          <a:extLst>
+            <a:ext uri="{FF2B5EF4-FFF2-40B4-BE49-F238E27FC236}">
+              <a16:creationId xmlns:a16="http://schemas.microsoft.com/office/drawing/2014/main" id="{E7C0290B-E44A-C16A-7A2F-A26EDC14F5B5}"/>
+            </a:ext>
+          </a:extLst>
+        </p:cNvPr>
+        <p:cNvGrpSpPr/>
+        <p:nvPr/>
+      </p:nvGrpSpPr>
+      <p:grpSpPr>
+        <a:xfrm>
+          <a:off x="0" y="0"/>
+          <a:ext cx="0" cy="0"/>
+          <a:chOff x="0" y="0"/>
+          <a:chExt cx="0" cy="0"/>
+        </a:xfrm>
+      </p:grpSpPr>
+      <p:sp>
+        <p:nvSpPr>
+          <p:cNvPr id="2" name="Slide Image Placeholder 1">
+            <a:extLst>
+              <a:ext uri="{FF2B5EF4-FFF2-40B4-BE49-F238E27FC236}">
+                <a16:creationId xmlns:a16="http://schemas.microsoft.com/office/drawing/2014/main" id="{1977ACBE-93CC-2DDE-72A8-DBEC6EDE4CF2}"/>
+              </a:ext>
+            </a:extLst>
+          </p:cNvPr>
+          <p:cNvSpPr>
+            <a:spLocks noGrp="1" noRot="1" noChangeAspect="1"/>
+          </p:cNvSpPr>
+          <p:nvPr>
+            <p:ph type="sldImg"/>
+          </p:nvPr>
+        </p:nvSpPr>
+        <p:spPr/>
+      </p:sp>
+      <p:sp>
+        <p:nvSpPr>
+          <p:cNvPr id="3" name="Notes Placeholder 2">
+            <a:extLst>
+              <a:ext uri="{FF2B5EF4-FFF2-40B4-BE49-F238E27FC236}">
+                <a16:creationId xmlns:a16="http://schemas.microsoft.com/office/drawing/2014/main" id="{82A81EE0-C9D3-41D7-6A64-5B2E135CFFEE}"/>
+              </a:ext>
+            </a:extLst>
+          </p:cNvPr>
+          <p:cNvSpPr>
+            <a:spLocks noGrp="1"/>
+          </p:cNvSpPr>
+          <p:nvPr>
+            <p:ph type="body" idx="1"/>
+          </p:nvPr>
+        </p:nvSpPr>
+        <p:spPr/>
+        <p:txBody>
+          <a:bodyPr/>
+          <a:lstStyle/>
+          <a:p>
+            <a:endParaRPr lang="en-US" dirty="0"/>
+          </a:p>
+        </p:txBody>
+      </p:sp>
+      <p:sp>
+        <p:nvSpPr>
+          <p:cNvPr id="4" name="Slide Number Placeholder 3">
+            <a:extLst>
+              <a:ext uri="{FF2B5EF4-FFF2-40B4-BE49-F238E27FC236}">
+                <a16:creationId xmlns:a16="http://schemas.microsoft.com/office/drawing/2014/main" id="{B88DF735-435E-8B85-F1AE-49B561F66A46}"/>
+              </a:ext>
+            </a:extLst>
+          </p:cNvPr>
+          <p:cNvSpPr>
+            <a:spLocks noGrp="1"/>
+          </p:cNvSpPr>
+          <p:nvPr>
+            <p:ph type="sldNum" sz="quarter" idx="5"/>
+          </p:nvPr>
+        </p:nvSpPr>
+        <p:spPr/>
+        <p:txBody>
+          <a:bodyPr/>
+          <a:lstStyle/>
+          <a:p>
+            <a:fld id="{EE000EEB-8338-48D7-8EE8-EE0082EF7602}" type="slidenum">
+              <a:rPr lang="en-US" smtClean="0"/>
+              <a:t>9</a:t>
+            </a:fld>
+            <a:endParaRPr lang="en-US" dirty="0"/>
+          </a:p>
+        </p:txBody>
+      </p:sp>
+    </p:spTree>
+    <p:extLst>
+      <p:ext uri="{BB962C8B-B14F-4D97-AF65-F5344CB8AC3E}">
+        <p14:creationId xmlns:p14="http://schemas.microsoft.com/office/powerpoint/2010/main" val="3178754454"/>
       </p:ext>
     </p:extLst>
   </p:cSld>
@@ -1216,7 +1979,7 @@
           <a:p>
             <a:fld id="{4AAD347D-5ACD-4C99-B74B-A9C85AD731AF}" type="datetimeFigureOut">
               <a:rPr lang="en-US" dirty="0"/>
-              <a:t>4/26/2025</a:t>
+              <a:t>4/27/2025</a:t>
             </a:fld>
             <a:endParaRPr lang="en-US" dirty="0"/>
           </a:p>
@@ -1486,7 +2249,7 @@
           <a:p>
             <a:fld id="{4509A250-FF31-4206-8172-F9D3106AACB1}" type="datetimeFigureOut">
               <a:rPr lang="en-US" dirty="0"/>
-              <a:t>4/26/2025</a:t>
+              <a:t>4/27/2025</a:t>
             </a:fld>
             <a:endParaRPr lang="en-US" dirty="0"/>
           </a:p>
@@ -1675,7 +2438,7 @@
           <a:p>
             <a:fld id="{4509A250-FF31-4206-8172-F9D3106AACB1}" type="datetimeFigureOut">
               <a:rPr lang="en-US" dirty="0"/>
-              <a:t>4/26/2025</a:t>
+              <a:t>4/27/2025</a:t>
             </a:fld>
             <a:endParaRPr lang="en-US" dirty="0"/>
           </a:p>
@@ -1938,7 +2701,7 @@
           <a:p>
             <a:fld id="{4509A250-FF31-4206-8172-F9D3106AACB1}" type="datetimeFigureOut">
               <a:rPr lang="en-US" dirty="0"/>
-              <a:t>4/26/2025</a:t>
+              <a:t>4/27/2025</a:t>
             </a:fld>
             <a:endParaRPr lang="en-US" dirty="0"/>
           </a:p>
@@ -2265,7 +3028,7 @@
           <a:p>
             <a:fld id="{4509A250-FF31-4206-8172-F9D3106AACB1}" type="datetimeFigureOut">
               <a:rPr lang="en-US" dirty="0"/>
-              <a:t>4/26/2025</a:t>
+              <a:t>4/27/2025</a:t>
             </a:fld>
             <a:endParaRPr lang="en-US" dirty="0"/>
           </a:p>
@@ -2870,7 +3633,7 @@
           <a:p>
             <a:fld id="{4509A250-FF31-4206-8172-F9D3106AACB1}" type="datetimeFigureOut">
               <a:rPr lang="en-US" dirty="0"/>
-              <a:t>4/26/2025</a:t>
+              <a:t>4/27/2025</a:t>
             </a:fld>
             <a:endParaRPr lang="en-US" dirty="0"/>
           </a:p>
@@ -3712,7 +4475,7 @@
           <a:p>
             <a:fld id="{4509A250-FF31-4206-8172-F9D3106AACB1}" type="datetimeFigureOut">
               <a:rPr lang="en-US" dirty="0"/>
-              <a:t>4/26/2025</a:t>
+              <a:t>4/27/2025</a:t>
             </a:fld>
             <a:endParaRPr lang="en-US" dirty="0"/>
           </a:p>
@@ -3877,7 +4640,7 @@
           <a:p>
             <a:fld id="{4509A250-FF31-4206-8172-F9D3106AACB1}" type="datetimeFigureOut">
               <a:rPr lang="en-US" dirty="0"/>
-              <a:t>4/26/2025</a:t>
+              <a:t>4/27/2025</a:t>
             </a:fld>
             <a:endParaRPr lang="en-US" dirty="0"/>
           </a:p>
@@ -4052,7 +4815,7 @@
           <a:p>
             <a:fld id="{4509A250-FF31-4206-8172-F9D3106AACB1}" type="datetimeFigureOut">
               <a:rPr lang="en-US" dirty="0"/>
-              <a:t>4/26/2025</a:t>
+              <a:t>4/27/2025</a:t>
             </a:fld>
             <a:endParaRPr lang="en-US" dirty="0"/>
           </a:p>
@@ -4217,7 +4980,7 @@
           <a:p>
             <a:fld id="{4509A250-FF31-4206-8172-F9D3106AACB1}" type="datetimeFigureOut">
               <a:rPr lang="en-US" dirty="0"/>
-              <a:t>4/26/2025</a:t>
+              <a:t>4/27/2025</a:t>
             </a:fld>
             <a:endParaRPr lang="en-US" dirty="0"/>
           </a:p>
@@ -4456,7 +5219,7 @@
           <a:p>
             <a:fld id="{4509A250-FF31-4206-8172-F9D3106AACB1}" type="datetimeFigureOut">
               <a:rPr lang="en-US" dirty="0"/>
-              <a:t>4/26/2025</a:t>
+              <a:t>4/27/2025</a:t>
             </a:fld>
             <a:endParaRPr lang="en-US" dirty="0"/>
           </a:p>
@@ -4743,7 +5506,7 @@
           <a:p>
             <a:fld id="{4509A250-FF31-4206-8172-F9D3106AACB1}" type="datetimeFigureOut">
               <a:rPr lang="en-US" dirty="0"/>
-              <a:t>4/26/2025</a:t>
+              <a:t>4/27/2025</a:t>
             </a:fld>
             <a:endParaRPr lang="en-US" dirty="0"/>
           </a:p>
@@ -5176,7 +5939,7 @@
           <a:p>
             <a:fld id="{4509A250-FF31-4206-8172-F9D3106AACB1}" type="datetimeFigureOut">
               <a:rPr lang="en-US" dirty="0"/>
-              <a:t>4/26/2025</a:t>
+              <a:t>4/27/2025</a:t>
             </a:fld>
             <a:endParaRPr lang="en-US" dirty="0"/>
           </a:p>
@@ -5289,7 +6052,7 @@
           <a:p>
             <a:fld id="{4509A250-FF31-4206-8172-F9D3106AACB1}" type="datetimeFigureOut">
               <a:rPr lang="en-US" dirty="0"/>
-              <a:t>4/26/2025</a:t>
+              <a:t>4/27/2025</a:t>
             </a:fld>
             <a:endParaRPr lang="en-US" dirty="0"/>
           </a:p>
@@ -5379,7 +6142,7 @@
           <a:p>
             <a:fld id="{4509A250-FF31-4206-8172-F9D3106AACB1}" type="datetimeFigureOut">
               <a:rPr lang="en-US" dirty="0"/>
-              <a:t>4/26/2025</a:t>
+              <a:t>4/27/2025</a:t>
             </a:fld>
             <a:endParaRPr lang="en-US" dirty="0"/>
           </a:p>
@@ -5653,7 +6416,7 @@
           <a:p>
             <a:fld id="{4509A250-FF31-4206-8172-F9D3106AACB1}" type="datetimeFigureOut">
               <a:rPr lang="en-US" dirty="0"/>
-              <a:t>4/26/2025</a:t>
+              <a:t>4/27/2025</a:t>
             </a:fld>
             <a:endParaRPr lang="en-US" dirty="0"/>
           </a:p>
@@ -5923,7 +6686,7 @@
           <a:p>
             <a:fld id="{4509A250-FF31-4206-8172-F9D3106AACB1}" type="datetimeFigureOut">
               <a:rPr lang="en-US" dirty="0"/>
-              <a:t>4/26/2025</a:t>
+              <a:t>4/27/2025</a:t>
             </a:fld>
             <a:endParaRPr lang="en-US" dirty="0"/>
           </a:p>
@@ -6347,7 +7110,7 @@
           <a:p>
             <a:fld id="{4509A250-FF31-4206-8172-F9D3106AACB1}" type="datetimeFigureOut">
               <a:rPr lang="en-US" dirty="0"/>
-              <a:t>4/26/2025</a:t>
+              <a:t>4/27/2025</a:t>
             </a:fld>
             <a:endParaRPr lang="en-US" dirty="0"/>
           </a:p>
@@ -7311,6 +8074,418 @@
 </p:sld>
 </file>
 
+<file path=ppt/slides/slide10.xml><?xml version="1.0" encoding="utf-8"?>
+<p:sld xmlns:a="http://schemas.openxmlformats.org/drawingml/2006/main" xmlns:r="http://schemas.openxmlformats.org/officeDocument/2006/relationships" xmlns:p="http://schemas.openxmlformats.org/presentationml/2006/main">
+  <p:cSld>
+    <p:spTree>
+      <p:nvGrpSpPr>
+        <p:cNvPr id="1" name="">
+          <a:extLst>
+            <a:ext uri="{FF2B5EF4-FFF2-40B4-BE49-F238E27FC236}">
+              <a16:creationId xmlns:a16="http://schemas.microsoft.com/office/drawing/2014/main" id="{04AD3009-EDEF-EB04-359C-81FFC94EA173}"/>
+            </a:ext>
+          </a:extLst>
+        </p:cNvPr>
+        <p:cNvGrpSpPr/>
+        <p:nvPr/>
+      </p:nvGrpSpPr>
+      <p:grpSpPr>
+        <a:xfrm>
+          <a:off x="0" y="0"/>
+          <a:ext cx="0" cy="0"/>
+          <a:chOff x="0" y="0"/>
+          <a:chExt cx="0" cy="0"/>
+        </a:xfrm>
+      </p:grpSpPr>
+      <p:sp>
+        <p:nvSpPr>
+          <p:cNvPr id="2" name="Title 1">
+            <a:extLst>
+              <a:ext uri="{FF2B5EF4-FFF2-40B4-BE49-F238E27FC236}">
+                <a16:creationId xmlns:a16="http://schemas.microsoft.com/office/drawing/2014/main" id="{AD1CC1CC-2A0D-2CA8-00B1-59B987C38155}"/>
+              </a:ext>
+            </a:extLst>
+          </p:cNvPr>
+          <p:cNvSpPr>
+            <a:spLocks noGrp="1"/>
+          </p:cNvSpPr>
+          <p:nvPr>
+            <p:ph type="title"/>
+          </p:nvPr>
+        </p:nvSpPr>
+        <p:spPr>
+          <a:xfrm>
+            <a:off x="1735055" y="174946"/>
+            <a:ext cx="10166659" cy="1400530"/>
+          </a:xfrm>
+        </p:spPr>
+        <p:txBody>
+          <a:bodyPr/>
+          <a:lstStyle/>
+          <a:p>
+            <a:r>
+              <a:rPr lang="en-US" sz="3200" b="1" dirty="0"/>
+              <a:t>01. What is a Regular Expression?</a:t>
+            </a:r>
+            <a:br>
+              <a:rPr lang="en-US" sz="3200" dirty="0"/>
+            </a:br>
+            <a:r>
+              <a:rPr lang="en-US" sz="3200" dirty="0"/>
+              <a:t>01.09 A Sample of Applications</a:t>
+            </a:r>
+            <a:endParaRPr lang="ru-RU" sz="3200" dirty="0"/>
+          </a:p>
+        </p:txBody>
+      </p:sp>
+      <p:sp>
+        <p:nvSpPr>
+          <p:cNvPr id="3" name="TextBox 2">
+            <a:extLst>
+              <a:ext uri="{FF2B5EF4-FFF2-40B4-BE49-F238E27FC236}">
+                <a16:creationId xmlns:a16="http://schemas.microsoft.com/office/drawing/2014/main" id="{1C71820E-3D9C-4291-1A90-B4A95F83789B}"/>
+              </a:ext>
+            </a:extLst>
+          </p:cNvPr>
+          <p:cNvSpPr txBox="1"/>
+          <p:nvPr/>
+        </p:nvSpPr>
+        <p:spPr>
+          <a:xfrm>
+            <a:off x="11506" y="8587"/>
+            <a:ext cx="1723549" cy="1015663"/>
+          </a:xfrm>
+          <a:prstGeom prst="rect">
+            <a:avLst/>
+          </a:prstGeom>
+          <a:noFill/>
+        </p:spPr>
+        <p:txBody>
+          <a:bodyPr wrap="none" rtlCol="0" anchor="ctr">
+            <a:spAutoFit/>
+          </a:bodyPr>
+          <a:lstStyle/>
+          <a:p>
+            <a:pPr algn="ctr"/>
+            <a:r>
+              <a:rPr lang="en-US" sz="6000" dirty="0">
+                <a:solidFill>
+                  <a:schemeClr val="tx1">
+                    <a:lumMod val="95000"/>
+                  </a:schemeClr>
+                </a:solidFill>
+                <a:latin typeface="Arial Black" panose="020B0A04020102020204" pitchFamily="34" charset="0"/>
+              </a:rPr>
+              <a:t>010</a:t>
+            </a:r>
+          </a:p>
+        </p:txBody>
+      </p:sp>
+      <p:pic>
+        <p:nvPicPr>
+          <p:cNvPr id="9" name="Picture 8">
+            <a:extLst>
+              <a:ext uri="{FF2B5EF4-FFF2-40B4-BE49-F238E27FC236}">
+                <a16:creationId xmlns:a16="http://schemas.microsoft.com/office/drawing/2014/main" id="{CFE6785A-519C-A5D7-FE47-FB62F5E20497}"/>
+              </a:ext>
+            </a:extLst>
+          </p:cNvPr>
+          <p:cNvPicPr>
+            <a:picLocks noChangeAspect="1"/>
+          </p:cNvPicPr>
+          <p:nvPr/>
+        </p:nvPicPr>
+        <p:blipFill>
+          <a:blip r:embed="rId3"/>
+          <a:stretch>
+            <a:fillRect/>
+          </a:stretch>
+        </p:blipFill>
+        <p:spPr>
+          <a:xfrm>
+            <a:off x="115212" y="985329"/>
+            <a:ext cx="1516136" cy="2025644"/>
+          </a:xfrm>
+          <a:prstGeom prst="roundRect">
+            <a:avLst>
+              <a:gd name="adj" fmla="val 8594"/>
+            </a:avLst>
+          </a:prstGeom>
+          <a:solidFill>
+            <a:srgbClr val="FFFFFF">
+              <a:shade val="85000"/>
+            </a:srgbClr>
+          </a:solidFill>
+          <a:ln>
+            <a:noFill/>
+          </a:ln>
+          <a:effectLst>
+            <a:reflection blurRad="12700" stA="38000" endPos="28000" dist="5000" dir="5400000" sy="-100000" algn="bl" rotWithShape="0"/>
+          </a:effectLst>
+        </p:spPr>
+      </p:pic>
+      <p:sp>
+        <p:nvSpPr>
+          <p:cNvPr id="5" name="Content Placeholder 4">
+            <a:extLst>
+              <a:ext uri="{FF2B5EF4-FFF2-40B4-BE49-F238E27FC236}">
+                <a16:creationId xmlns:a16="http://schemas.microsoft.com/office/drawing/2014/main" id="{0B06B1A5-8720-0143-D8A6-47FC931B02D5}"/>
+              </a:ext>
+            </a:extLst>
+          </p:cNvPr>
+          <p:cNvSpPr>
+            <a:spLocks noGrp="1"/>
+          </p:cNvSpPr>
+          <p:nvPr>
+            <p:ph idx="1"/>
+          </p:nvPr>
+        </p:nvSpPr>
+        <p:spPr/>
+        <p:txBody>
+          <a:bodyPr/>
+          <a:lstStyle/>
+          <a:p>
+            <a:endParaRPr lang="en-US"/>
+          </a:p>
+        </p:txBody>
+      </p:sp>
+    </p:spTree>
+    <p:extLst>
+      <p:ext uri="{BB962C8B-B14F-4D97-AF65-F5344CB8AC3E}">
+        <p14:creationId xmlns:p14="http://schemas.microsoft.com/office/powerpoint/2010/main" val="26122642"/>
+      </p:ext>
+    </p:extLst>
+  </p:cSld>
+  <p:clrMapOvr>
+    <a:masterClrMapping/>
+  </p:clrMapOvr>
+</p:sld>
+</file>
+
+<file path=ppt/slides/slide11.xml><?xml version="1.0" encoding="utf-8"?>
+<p:sld xmlns:a="http://schemas.openxmlformats.org/drawingml/2006/main" xmlns:r="http://schemas.openxmlformats.org/officeDocument/2006/relationships" xmlns:p="http://schemas.openxmlformats.org/presentationml/2006/main">
+  <p:cSld>
+    <p:bg>
+      <p:bgPr>
+        <a:blipFill rotWithShape="1">
+          <a:blip r:embed="rId3">
+            <a:duotone>
+              <a:schemeClr val="bg2">
+                <a:shade val="62000"/>
+                <a:hueMod val="108000"/>
+                <a:satMod val="164000"/>
+                <a:lumMod val="69000"/>
+              </a:schemeClr>
+              <a:schemeClr val="bg2">
+                <a:tint val="96000"/>
+                <a:hueMod val="90000"/>
+                <a:satMod val="130000"/>
+                <a:lumMod val="134000"/>
+              </a:schemeClr>
+            </a:duotone>
+          </a:blip>
+          <a:stretch/>
+        </a:blipFill>
+        <a:effectLst/>
+      </p:bgPr>
+    </p:bg>
+    <p:spTree>
+      <p:nvGrpSpPr>
+        <p:cNvPr id="1" name=""/>
+        <p:cNvGrpSpPr/>
+        <p:nvPr/>
+      </p:nvGrpSpPr>
+      <p:grpSpPr>
+        <a:xfrm>
+          <a:off x="0" y="0"/>
+          <a:ext cx="0" cy="0"/>
+          <a:chOff x="0" y="0"/>
+          <a:chExt cx="0" cy="0"/>
+        </a:xfrm>
+      </p:grpSpPr>
+      <p:pic>
+        <p:nvPicPr>
+          <p:cNvPr id="15" name="Picture 14" descr="abstract design">
+            <a:extLst>
+              <a:ext uri="{FF2B5EF4-FFF2-40B4-BE49-F238E27FC236}">
+                <a16:creationId xmlns:a16="http://schemas.microsoft.com/office/drawing/2014/main" id="{6D363037-1741-4470-A023-883E2FFD5840}"/>
+              </a:ext>
+            </a:extLst>
+          </p:cNvPr>
+          <p:cNvPicPr>
+            <a:picLocks noChangeAspect="1"/>
+          </p:cNvPicPr>
+          <p:nvPr/>
+        </p:nvPicPr>
+        <p:blipFill rotWithShape="1">
+          <a:blip r:embed="rId4">
+            <a:duotone>
+              <a:prstClr val="black"/>
+              <a:schemeClr val="accent5">
+                <a:tint val="45000"/>
+                <a:satMod val="400000"/>
+              </a:schemeClr>
+            </a:duotone>
+            <a:alphaModFix amt="25000"/>
+          </a:blip>
+          <a:srcRect t="18308" r="6818" b="2872"/>
+          <a:stretch/>
+        </p:blipFill>
+        <p:spPr>
+          <a:xfrm flipH="1">
+            <a:off x="20" y="10"/>
+            <a:ext cx="12191980" cy="6857990"/>
+          </a:xfrm>
+          <a:prstGeom prst="rect">
+            <a:avLst/>
+          </a:prstGeom>
+        </p:spPr>
+      </p:pic>
+      <p:sp>
+        <p:nvSpPr>
+          <p:cNvPr id="12" name="Title 11">
+            <a:extLst>
+              <a:ext uri="{FF2B5EF4-FFF2-40B4-BE49-F238E27FC236}">
+                <a16:creationId xmlns:a16="http://schemas.microsoft.com/office/drawing/2014/main" id="{970C361B-D32E-42E0-A41E-86C3D9AC886F}"/>
+              </a:ext>
+            </a:extLst>
+          </p:cNvPr>
+          <p:cNvSpPr>
+            <a:spLocks noGrp="1"/>
+          </p:cNvSpPr>
+          <p:nvPr>
+            <p:ph type="ctrTitle"/>
+          </p:nvPr>
+        </p:nvSpPr>
+        <p:spPr>
+          <a:xfrm>
+            <a:off x="1154955" y="1447800"/>
+            <a:ext cx="8825658" cy="3329581"/>
+          </a:xfrm>
+        </p:spPr>
+        <p:txBody>
+          <a:bodyPr>
+            <a:normAutofit/>
+          </a:bodyPr>
+          <a:lstStyle/>
+          <a:p>
+            <a:r>
+              <a:rPr lang="en-US" dirty="0"/>
+              <a:t>Thank You!</a:t>
+            </a:r>
+            <a:endParaRPr lang="ru-RU" dirty="0"/>
+          </a:p>
+        </p:txBody>
+      </p:sp>
+      <p:sp>
+        <p:nvSpPr>
+          <p:cNvPr id="13" name="Subtitle 12">
+            <a:extLst>
+              <a:ext uri="{FF2B5EF4-FFF2-40B4-BE49-F238E27FC236}">
+                <a16:creationId xmlns:a16="http://schemas.microsoft.com/office/drawing/2014/main" id="{336E726C-3DE4-41AA-88A0-C92B0C34163D}"/>
+              </a:ext>
+            </a:extLst>
+          </p:cNvPr>
+          <p:cNvSpPr>
+            <a:spLocks noGrp="1"/>
+          </p:cNvSpPr>
+          <p:nvPr>
+            <p:ph type="subTitle" idx="1"/>
+          </p:nvPr>
+        </p:nvSpPr>
+        <p:spPr>
+          <a:xfrm>
+            <a:off x="1154955" y="4777380"/>
+            <a:ext cx="8825658" cy="861420"/>
+          </a:xfrm>
+        </p:spPr>
+        <p:txBody>
+          <a:bodyPr>
+            <a:normAutofit/>
+          </a:bodyPr>
+          <a:lstStyle/>
+          <a:p>
+            <a:r>
+              <a:rPr lang="en-US" dirty="0"/>
+              <a:t>someone@Example.com</a:t>
+            </a:r>
+            <a:endParaRPr lang="ru-RU" dirty="0"/>
+          </a:p>
+        </p:txBody>
+      </p:sp>
+      <p:sp>
+        <p:nvSpPr>
+          <p:cNvPr id="57" name="Rectangle 56">
+            <a:extLst>
+              <a:ext uri="{FF2B5EF4-FFF2-40B4-BE49-F238E27FC236}">
+                <a16:creationId xmlns:a16="http://schemas.microsoft.com/office/drawing/2014/main" id="{318E9D62-7BA3-4D5E-8915-0D0E8661E3D7}"/>
+              </a:ext>
+              <a:ext uri="{C183D7F6-B498-43B3-948B-1728B52AA6E4}">
+                <adec:decorative xmlns:adec="http://schemas.microsoft.com/office/drawing/2017/decorative" val="1"/>
+              </a:ext>
+            </a:extLst>
+          </p:cNvPr>
+          <p:cNvSpPr>
+            <a:spLocks noGrp="1" noRot="1" noChangeAspect="1" noMove="1" noResize="1" noEditPoints="1" noAdjustHandles="1" noChangeArrowheads="1" noChangeShapeType="1" noTextEdit="1"/>
+          </p:cNvSpPr>
+          <p:nvPr>
+            <p:extLst>
+              <p:ext uri="{386F3935-93C4-4BCD-93E2-E3B085C9AB24}">
+                <p16:designElem xmlns:p16="http://schemas.microsoft.com/office/powerpoint/2015/main" val="1"/>
+              </p:ext>
+            </p:extLst>
+          </p:nvPr>
+        </p:nvSpPr>
+        <p:spPr>
+          <a:xfrm>
+            <a:off x="10437812" y="0"/>
+            <a:ext cx="685800" cy="1143000"/>
+          </a:xfrm>
+          <a:prstGeom prst="rect">
+            <a:avLst/>
+          </a:prstGeom>
+          <a:solidFill>
+            <a:schemeClr val="accent1"/>
+          </a:solidFill>
+          <a:ln>
+            <a:noFill/>
+          </a:ln>
+        </p:spPr>
+        <p:style>
+          <a:lnRef idx="1">
+            <a:schemeClr val="accent1"/>
+          </a:lnRef>
+          <a:fillRef idx="3">
+            <a:schemeClr val="accent1"/>
+          </a:fillRef>
+          <a:effectRef idx="2">
+            <a:schemeClr val="accent1"/>
+          </a:effectRef>
+          <a:fontRef idx="minor">
+            <a:schemeClr val="lt1"/>
+          </a:fontRef>
+        </p:style>
+        <p:txBody>
+          <a:bodyPr/>
+          <a:lstStyle/>
+          <a:p>
+            <a:endParaRPr lang="en-US"/>
+          </a:p>
+        </p:txBody>
+      </p:sp>
+    </p:spTree>
+    <p:extLst>
+      <p:ext uri="{BB962C8B-B14F-4D97-AF65-F5344CB8AC3E}">
+        <p14:creationId xmlns:p14="http://schemas.microsoft.com/office/powerpoint/2010/main" val="510767980"/>
+      </p:ext>
+    </p:extLst>
+  </p:cSld>
+  <p:clrMapOvr>
+    <a:masterClrMapping/>
+  </p:clrMapOvr>
+</p:sld>
+</file>
+
 <file path=ppt/slides/slide2.xml><?xml version="1.0" encoding="utf-8"?>
 <p:sld xmlns:a="http://schemas.openxmlformats.org/drawingml/2006/main" xmlns:r="http://schemas.openxmlformats.org/officeDocument/2006/relationships" xmlns:p="http://schemas.openxmlformats.org/presentationml/2006/main">
   <p:cSld>
@@ -7355,7 +8530,7 @@
           <a:lstStyle/>
           <a:p>
             <a:r>
-              <a:rPr lang="en-US" sz="3200" dirty="0"/>
+              <a:rPr lang="en-US" sz="3200" b="1" dirty="0"/>
               <a:t>01. What is a Regular Expression?</a:t>
             </a:r>
             <a:br>
@@ -7614,7 +8789,7 @@
           <a:lstStyle/>
           <a:p>
             <a:r>
-              <a:rPr lang="en-US" sz="3200" dirty="0"/>
+              <a:rPr lang="en-US" sz="3200" b="1" dirty="0"/>
               <a:t>01. What is a Regular Expression?</a:t>
             </a:r>
             <a:br>
@@ -7826,33 +9001,15 @@
 <file path=ppt/slides/slide4.xml><?xml version="1.0" encoding="utf-8"?>
 <p:sld xmlns:a="http://schemas.openxmlformats.org/drawingml/2006/main" xmlns:r="http://schemas.openxmlformats.org/officeDocument/2006/relationships" xmlns:p="http://schemas.openxmlformats.org/presentationml/2006/main">
   <p:cSld>
-    <p:bg>
-      <p:bgPr>
-        <a:blipFill rotWithShape="1">
-          <a:blip r:embed="rId3">
-            <a:duotone>
-              <a:schemeClr val="bg2">
-                <a:shade val="62000"/>
-                <a:hueMod val="108000"/>
-                <a:satMod val="164000"/>
-                <a:lumMod val="69000"/>
-              </a:schemeClr>
-              <a:schemeClr val="bg2">
-                <a:tint val="96000"/>
-                <a:hueMod val="90000"/>
-                <a:satMod val="130000"/>
-                <a:lumMod val="134000"/>
-              </a:schemeClr>
-            </a:duotone>
-          </a:blip>
-          <a:stretch/>
-        </a:blipFill>
-        <a:effectLst/>
-      </p:bgPr>
-    </p:bg>
     <p:spTree>
       <p:nvGrpSpPr>
-        <p:cNvPr id="1" name=""/>
+        <p:cNvPr id="1" name="">
+          <a:extLst>
+            <a:ext uri="{FF2B5EF4-FFF2-40B4-BE49-F238E27FC236}">
+              <a16:creationId xmlns:a16="http://schemas.microsoft.com/office/drawing/2014/main" id="{6CE1EE4B-48EC-9562-4AE3-23E94102F657}"/>
+            </a:ext>
+          </a:extLst>
+        </p:cNvPr>
         <p:cNvGrpSpPr/>
         <p:nvPr/>
       </p:nvGrpSpPr>
@@ -7864,12 +9021,96 @@
           <a:chExt cx="0" cy="0"/>
         </a:xfrm>
       </p:grpSpPr>
+      <p:sp>
+        <p:nvSpPr>
+          <p:cNvPr id="2" name="Title 1">
+            <a:extLst>
+              <a:ext uri="{FF2B5EF4-FFF2-40B4-BE49-F238E27FC236}">
+                <a16:creationId xmlns:a16="http://schemas.microsoft.com/office/drawing/2014/main" id="{46741309-1B3F-C6C5-0A4F-A292B17AD165}"/>
+              </a:ext>
+            </a:extLst>
+          </p:cNvPr>
+          <p:cNvSpPr>
+            <a:spLocks noGrp="1"/>
+          </p:cNvSpPr>
+          <p:nvPr>
+            <p:ph type="title"/>
+          </p:nvPr>
+        </p:nvSpPr>
+        <p:spPr>
+          <a:xfrm>
+            <a:off x="1735055" y="174946"/>
+            <a:ext cx="10166659" cy="1400530"/>
+          </a:xfrm>
+        </p:spPr>
+        <p:txBody>
+          <a:bodyPr/>
+          <a:lstStyle/>
+          <a:p>
+            <a:r>
+              <a:rPr lang="en-US" sz="3200" b="1" dirty="0"/>
+              <a:t>01. What is a Regular Expression?</a:t>
+            </a:r>
+            <a:br>
+              <a:rPr lang="en-US" sz="3200" dirty="0"/>
+            </a:br>
+            <a:r>
+              <a:rPr lang="en-US" sz="3200" dirty="0"/>
+              <a:t>01.03 Match Digits with a Character Class</a:t>
+            </a:r>
+            <a:endParaRPr lang="ru-RU" sz="3200" dirty="0"/>
+          </a:p>
+        </p:txBody>
+      </p:sp>
+      <p:sp>
+        <p:nvSpPr>
+          <p:cNvPr id="3" name="TextBox 2">
+            <a:extLst>
+              <a:ext uri="{FF2B5EF4-FFF2-40B4-BE49-F238E27FC236}">
+                <a16:creationId xmlns:a16="http://schemas.microsoft.com/office/drawing/2014/main" id="{7EC85E59-0051-A9D6-7408-BABD08DFE708}"/>
+              </a:ext>
+            </a:extLst>
+          </p:cNvPr>
+          <p:cNvSpPr txBox="1"/>
+          <p:nvPr/>
+        </p:nvSpPr>
+        <p:spPr>
+          <a:xfrm>
+            <a:off x="11506" y="8587"/>
+            <a:ext cx="1723549" cy="1015663"/>
+          </a:xfrm>
+          <a:prstGeom prst="rect">
+            <a:avLst/>
+          </a:prstGeom>
+          <a:noFill/>
+        </p:spPr>
+        <p:txBody>
+          <a:bodyPr wrap="none" rtlCol="0" anchor="ctr">
+            <a:spAutoFit/>
+          </a:bodyPr>
+          <a:lstStyle/>
+          <a:p>
+            <a:pPr algn="ctr"/>
+            <a:r>
+              <a:rPr lang="en-US" sz="6000" dirty="0">
+                <a:solidFill>
+                  <a:schemeClr val="tx1">
+                    <a:lumMod val="95000"/>
+                  </a:schemeClr>
+                </a:solidFill>
+                <a:latin typeface="Arial Black" panose="020B0A04020102020204" pitchFamily="34" charset="0"/>
+              </a:rPr>
+              <a:t>004</a:t>
+            </a:r>
+          </a:p>
+        </p:txBody>
+      </p:sp>
       <p:pic>
         <p:nvPicPr>
-          <p:cNvPr id="15" name="Picture 14" descr="abstract design">
+          <p:cNvPr id="9" name="Picture 8">
             <a:extLst>
               <a:ext uri="{FF2B5EF4-FFF2-40B4-BE49-F238E27FC236}">
-                <a16:creationId xmlns:a16="http://schemas.microsoft.com/office/drawing/2014/main" id="{6D363037-1741-4470-A023-883E2FFD5840}"/>
+                <a16:creationId xmlns:a16="http://schemas.microsoft.com/office/drawing/2014/main" id="{242A2E12-63A3-0EA3-B6F8-E3E6F0643DB3}"/>
               </a:ext>
             </a:extLst>
           </p:cNvPr>
@@ -7878,72 +9119,173 @@
           </p:cNvPicPr>
           <p:nvPr/>
         </p:nvPicPr>
-        <p:blipFill rotWithShape="1">
-          <a:blip r:embed="rId4">
-            <a:duotone>
-              <a:prstClr val="black"/>
-              <a:schemeClr val="accent5">
-                <a:tint val="45000"/>
-                <a:satMod val="400000"/>
-              </a:schemeClr>
-            </a:duotone>
-            <a:alphaModFix amt="25000"/>
-          </a:blip>
-          <a:srcRect t="18308" r="6818" b="2872"/>
-          <a:stretch/>
+        <p:blipFill>
+          <a:blip r:embed="rId3"/>
+          <a:stretch>
+            <a:fillRect/>
+          </a:stretch>
         </p:blipFill>
         <p:spPr>
-          <a:xfrm flipH="1">
-            <a:off x="20" y="10"/>
-            <a:ext cx="12191980" cy="6857990"/>
+          <a:xfrm>
+            <a:off x="115212" y="985329"/>
+            <a:ext cx="1516136" cy="2025644"/>
+          </a:xfrm>
+          <a:prstGeom prst="roundRect">
+            <a:avLst>
+              <a:gd name="adj" fmla="val 8594"/>
+            </a:avLst>
+          </a:prstGeom>
+          <a:solidFill>
+            <a:srgbClr val="FFFFFF">
+              <a:shade val="85000"/>
+            </a:srgbClr>
+          </a:solidFill>
+          <a:ln>
+            <a:noFill/>
+          </a:ln>
+          <a:effectLst>
+            <a:reflection blurRad="12700" stA="38000" endPos="28000" dist="5000" dir="5400000" sy="-100000" algn="bl" rotWithShape="0"/>
+          </a:effectLst>
+        </p:spPr>
+      </p:pic>
+      <p:pic>
+        <p:nvPicPr>
+          <p:cNvPr id="8" name="Content Placeholder 7">
+            <a:extLst>
+              <a:ext uri="{FF2B5EF4-FFF2-40B4-BE49-F238E27FC236}">
+                <a16:creationId xmlns:a16="http://schemas.microsoft.com/office/drawing/2014/main" id="{CE643557-71FE-B2AB-7280-AE740B2BA50B}"/>
+              </a:ext>
+            </a:extLst>
+          </p:cNvPr>
+          <p:cNvPicPr>
+            <a:picLocks noGrp="1" noChangeAspect="1"/>
+          </p:cNvPicPr>
+          <p:nvPr>
+            <p:ph idx="1"/>
+          </p:nvPr>
+        </p:nvPicPr>
+        <p:blipFill>
+          <a:blip r:embed="rId4"/>
+          <a:stretch>
+            <a:fillRect/>
+          </a:stretch>
+        </p:blipFill>
+        <p:spPr>
+          <a:xfrm>
+            <a:off x="2095928" y="1281920"/>
+            <a:ext cx="6102849" cy="5336350"/>
           </a:xfrm>
           <a:prstGeom prst="rect">
             <a:avLst/>
           </a:prstGeom>
+          <a:ln>
+            <a:noFill/>
+          </a:ln>
+          <a:effectLst>
+            <a:outerShdw blurRad="292100" dist="139700" dir="2700000" algn="tl" rotWithShape="0">
+              <a:srgbClr val="333333">
+                <a:alpha val="65000"/>
+              </a:srgbClr>
+            </a:outerShdw>
+          </a:effectLst>
         </p:spPr>
       </p:pic>
-      <p:sp>
-        <p:nvSpPr>
-          <p:cNvPr id="12" name="Title 11">
+      <p:pic>
+        <p:nvPicPr>
+          <p:cNvPr id="11" name="Picture 10">
             <a:extLst>
               <a:ext uri="{FF2B5EF4-FFF2-40B4-BE49-F238E27FC236}">
-                <a16:creationId xmlns:a16="http://schemas.microsoft.com/office/drawing/2014/main" id="{970C361B-D32E-42E0-A41E-86C3D9AC886F}"/>
+                <a16:creationId xmlns:a16="http://schemas.microsoft.com/office/drawing/2014/main" id="{1FD0A570-D387-C974-5552-2F64B5C1622D}"/>
               </a:ext>
             </a:extLst>
           </p:cNvPr>
-          <p:cNvSpPr>
-            <a:spLocks noGrp="1"/>
-          </p:cNvSpPr>
-          <p:nvPr>
-            <p:ph type="ctrTitle"/>
-          </p:nvPr>
-        </p:nvSpPr>
+          <p:cNvPicPr>
+            <a:picLocks noChangeAspect="1"/>
+          </p:cNvPicPr>
+          <p:nvPr/>
+        </p:nvPicPr>
+        <p:blipFill>
+          <a:blip r:embed="rId5"/>
+          <a:stretch>
+            <a:fillRect/>
+          </a:stretch>
+        </p:blipFill>
         <p:spPr>
           <a:xfrm>
-            <a:off x="1154955" y="1447800"/>
-            <a:ext cx="8825658" cy="3329581"/>
+            <a:off x="7373798" y="1844577"/>
+            <a:ext cx="4430414" cy="4504592"/>
           </a:xfrm>
+          <a:prstGeom prst="roundRect">
+            <a:avLst>
+              <a:gd name="adj" fmla="val 16667"/>
+            </a:avLst>
+          </a:prstGeom>
+          <a:ln>
+            <a:noFill/>
+          </a:ln>
+          <a:effectLst>
+            <a:outerShdw blurRad="152400" dist="12000" dir="900000" sy="98000" kx="110000" ky="200000" algn="tl" rotWithShape="0">
+              <a:srgbClr val="000000">
+                <a:alpha val="30000"/>
+              </a:srgbClr>
+            </a:outerShdw>
+          </a:effectLst>
+          <a:scene3d>
+            <a:camera prst="perspectiveRelaxed">
+              <a:rot lat="19800000" lon="1200000" rev="20820000"/>
+            </a:camera>
+            <a:lightRig rig="threePt" dir="t"/>
+          </a:scene3d>
+          <a:sp3d contourW="6350" prstMaterial="matte">
+            <a:bevelT w="101600" h="101600"/>
+            <a:contourClr>
+              <a:srgbClr val="969696"/>
+            </a:contourClr>
+          </a:sp3d>
         </p:spPr>
-        <p:txBody>
-          <a:bodyPr>
-            <a:normAutofit/>
-          </a:bodyPr>
-          <a:lstStyle/>
-          <a:p>
-            <a:r>
-              <a:rPr lang="en-US" dirty="0"/>
-              <a:t>Thank You!</a:t>
-            </a:r>
-            <a:endParaRPr lang="ru-RU" dirty="0"/>
-          </a:p>
-        </p:txBody>
-      </p:sp>
-      <p:sp>
-        <p:nvSpPr>
-          <p:cNvPr id="13" name="Subtitle 12">
+      </p:pic>
+    </p:spTree>
+    <p:extLst>
+      <p:ext uri="{BB962C8B-B14F-4D97-AF65-F5344CB8AC3E}">
+        <p14:creationId xmlns:p14="http://schemas.microsoft.com/office/powerpoint/2010/main" val="804703199"/>
+      </p:ext>
+    </p:extLst>
+  </p:cSld>
+  <p:clrMapOvr>
+    <a:masterClrMapping/>
+  </p:clrMapOvr>
+</p:sld>
+</file>
+
+<file path=ppt/slides/slide5.xml><?xml version="1.0" encoding="utf-8"?>
+<p:sld xmlns:a="http://schemas.openxmlformats.org/drawingml/2006/main" xmlns:r="http://schemas.openxmlformats.org/officeDocument/2006/relationships" xmlns:p="http://schemas.openxmlformats.org/presentationml/2006/main">
+  <p:cSld>
+    <p:spTree>
+      <p:nvGrpSpPr>
+        <p:cNvPr id="1" name="">
+          <a:extLst>
+            <a:ext uri="{FF2B5EF4-FFF2-40B4-BE49-F238E27FC236}">
+              <a16:creationId xmlns:a16="http://schemas.microsoft.com/office/drawing/2014/main" id="{A3E42C1D-B1A9-9920-5C7E-9147573C1A22}"/>
+            </a:ext>
+          </a:extLst>
+        </p:cNvPr>
+        <p:cNvGrpSpPr/>
+        <p:nvPr/>
+      </p:nvGrpSpPr>
+      <p:grpSpPr>
+        <a:xfrm>
+          <a:off x="0" y="0"/>
+          <a:ext cx="0" cy="0"/>
+          <a:chOff x="0" y="0"/>
+          <a:chExt cx="0" cy="0"/>
+        </a:xfrm>
+      </p:grpSpPr>
+      <p:sp>
+        <p:nvSpPr>
+          <p:cNvPr id="2" name="Title 1">
             <a:extLst>
               <a:ext uri="{FF2B5EF4-FFF2-40B4-BE49-F238E27FC236}">
-                <a16:creationId xmlns:a16="http://schemas.microsoft.com/office/drawing/2014/main" id="{336E726C-3DE4-41AA-88A0-C92B0C34163D}"/>
+                <a16:creationId xmlns:a16="http://schemas.microsoft.com/office/drawing/2014/main" id="{AC5D3401-E20C-58EE-D15F-278C177CE8F0}"/>
               </a:ext>
             </a:extLst>
           </p:cNvPr>
@@ -7951,81 +9293,137 @@
             <a:spLocks noGrp="1"/>
           </p:cNvSpPr>
           <p:nvPr>
-            <p:ph type="subTitle" idx="1"/>
+            <p:ph type="title"/>
           </p:nvPr>
         </p:nvSpPr>
         <p:spPr>
           <a:xfrm>
-            <a:off x="1154955" y="4777380"/>
-            <a:ext cx="8825658" cy="861420"/>
+            <a:off x="1735055" y="174946"/>
+            <a:ext cx="10166659" cy="1400530"/>
           </a:xfrm>
         </p:spPr>
         <p:txBody>
-          <a:bodyPr>
-            <a:normAutofit/>
-          </a:bodyPr>
-          <a:lstStyle/>
-          <a:p>
-            <a:r>
-              <a:rPr lang="en-US" dirty="0"/>
-              <a:t>someone@Example.com</a:t>
-            </a:r>
-            <a:endParaRPr lang="ru-RU" dirty="0"/>
-          </a:p>
-        </p:txBody>
-      </p:sp>
-      <p:sp>
-        <p:nvSpPr>
-          <p:cNvPr id="57" name="Rectangle 56">
+          <a:bodyPr/>
+          <a:lstStyle/>
+          <a:p>
+            <a:r>
+              <a:rPr lang="en-US" sz="3200" b="1" dirty="0"/>
+              <a:t>01. What is a Regular Expression?</a:t>
+            </a:r>
+            <a:br>
+              <a:rPr lang="en-US" sz="3200" dirty="0"/>
+            </a:br>
+            <a:r>
+              <a:rPr lang="en-US" sz="3200" dirty="0"/>
+              <a:t>01.04 Using a Character Shorthand</a:t>
+            </a:r>
+            <a:endParaRPr lang="ru-RU" sz="3200" dirty="0"/>
+          </a:p>
+        </p:txBody>
+      </p:sp>
+      <p:sp>
+        <p:nvSpPr>
+          <p:cNvPr id="3" name="TextBox 2">
             <a:extLst>
               <a:ext uri="{FF2B5EF4-FFF2-40B4-BE49-F238E27FC236}">
-                <a16:creationId xmlns:a16="http://schemas.microsoft.com/office/drawing/2014/main" id="{318E9D62-7BA3-4D5E-8915-0D0E8661E3D7}"/>
-              </a:ext>
-              <a:ext uri="{C183D7F6-B498-43B3-948B-1728B52AA6E4}">
-                <adec:decorative xmlns:adec="http://schemas.microsoft.com/office/drawing/2017/decorative" val="1"/>
+                <a16:creationId xmlns:a16="http://schemas.microsoft.com/office/drawing/2014/main" id="{01C7A09A-4164-6E55-F7F4-0D297F28C5B3}"/>
               </a:ext>
             </a:extLst>
           </p:cNvPr>
-          <p:cNvSpPr>
-            <a:spLocks noGrp="1" noRot="1" noChangeAspect="1" noMove="1" noResize="1" noEditPoints="1" noAdjustHandles="1" noChangeArrowheads="1" noChangeShapeType="1" noTextEdit="1"/>
-          </p:cNvSpPr>
-          <p:nvPr>
-            <p:extLst>
-              <p:ext uri="{386F3935-93C4-4BCD-93E2-E3B085C9AB24}">
-                <p16:designElem xmlns:p16="http://schemas.microsoft.com/office/powerpoint/2015/main" val="1"/>
-              </p:ext>
-            </p:extLst>
-          </p:nvPr>
+          <p:cNvSpPr txBox="1"/>
+          <p:nvPr/>
         </p:nvSpPr>
         <p:spPr>
           <a:xfrm>
-            <a:off x="10437812" y="0"/>
-            <a:ext cx="685800" cy="1143000"/>
+            <a:off x="11506" y="8587"/>
+            <a:ext cx="1723549" cy="1015663"/>
           </a:xfrm>
           <a:prstGeom prst="rect">
             <a:avLst/>
           </a:prstGeom>
+          <a:noFill/>
+        </p:spPr>
+        <p:txBody>
+          <a:bodyPr wrap="none" rtlCol="0" anchor="ctr">
+            <a:spAutoFit/>
+          </a:bodyPr>
+          <a:lstStyle/>
+          <a:p>
+            <a:pPr algn="ctr"/>
+            <a:r>
+              <a:rPr lang="en-US" sz="6000" dirty="0">
+                <a:solidFill>
+                  <a:schemeClr val="tx1">
+                    <a:lumMod val="95000"/>
+                  </a:schemeClr>
+                </a:solidFill>
+                <a:latin typeface="Arial Black" panose="020B0A04020102020204" pitchFamily="34" charset="0"/>
+              </a:rPr>
+              <a:t>005</a:t>
+            </a:r>
+          </a:p>
+        </p:txBody>
+      </p:sp>
+      <p:pic>
+        <p:nvPicPr>
+          <p:cNvPr id="9" name="Picture 8">
+            <a:extLst>
+              <a:ext uri="{FF2B5EF4-FFF2-40B4-BE49-F238E27FC236}">
+                <a16:creationId xmlns:a16="http://schemas.microsoft.com/office/drawing/2014/main" id="{CAE72ED8-CED4-CCEF-141C-67A76142EE51}"/>
+              </a:ext>
+            </a:extLst>
+          </p:cNvPr>
+          <p:cNvPicPr>
+            <a:picLocks noChangeAspect="1"/>
+          </p:cNvPicPr>
+          <p:nvPr/>
+        </p:nvPicPr>
+        <p:blipFill>
+          <a:blip r:embed="rId3"/>
+          <a:stretch>
+            <a:fillRect/>
+          </a:stretch>
+        </p:blipFill>
+        <p:spPr>
+          <a:xfrm>
+            <a:off x="115212" y="985329"/>
+            <a:ext cx="1516136" cy="2025644"/>
+          </a:xfrm>
+          <a:prstGeom prst="roundRect">
+            <a:avLst>
+              <a:gd name="adj" fmla="val 8594"/>
+            </a:avLst>
+          </a:prstGeom>
           <a:solidFill>
-            <a:schemeClr val="accent1"/>
+            <a:srgbClr val="FFFFFF">
+              <a:shade val="85000"/>
+            </a:srgbClr>
           </a:solidFill>
           <a:ln>
             <a:noFill/>
           </a:ln>
+          <a:effectLst>
+            <a:reflection blurRad="12700" stA="38000" endPos="28000" dist="5000" dir="5400000" sy="-100000" algn="bl" rotWithShape="0"/>
+          </a:effectLst>
         </p:spPr>
-        <p:style>
-          <a:lnRef idx="1">
-            <a:schemeClr val="accent1"/>
-          </a:lnRef>
-          <a:fillRef idx="3">
-            <a:schemeClr val="accent1"/>
-          </a:fillRef>
-          <a:effectRef idx="2">
-            <a:schemeClr val="accent1"/>
-          </a:effectRef>
-          <a:fontRef idx="minor">
-            <a:schemeClr val="lt1"/>
-          </a:fontRef>
-        </p:style>
+      </p:pic>
+      <p:sp>
+        <p:nvSpPr>
+          <p:cNvPr id="5" name="Content Placeholder 4">
+            <a:extLst>
+              <a:ext uri="{FF2B5EF4-FFF2-40B4-BE49-F238E27FC236}">
+                <a16:creationId xmlns:a16="http://schemas.microsoft.com/office/drawing/2014/main" id="{8112F1EE-3C22-5A0E-69D0-585D1BAA0AAE}"/>
+              </a:ext>
+            </a:extLst>
+          </p:cNvPr>
+          <p:cNvSpPr>
+            <a:spLocks noGrp="1"/>
+          </p:cNvSpPr>
+          <p:nvPr>
+            <p:ph idx="1"/>
+          </p:nvPr>
+        </p:nvSpPr>
+        <p:spPr/>
         <p:txBody>
           <a:bodyPr/>
           <a:lstStyle/>
@@ -8037,7 +9435,759 @@
     </p:spTree>
     <p:extLst>
       <p:ext uri="{BB962C8B-B14F-4D97-AF65-F5344CB8AC3E}">
-        <p14:creationId xmlns:p14="http://schemas.microsoft.com/office/powerpoint/2010/main" val="510767980"/>
+        <p14:creationId xmlns:p14="http://schemas.microsoft.com/office/powerpoint/2010/main" val="3342666142"/>
+      </p:ext>
+    </p:extLst>
+  </p:cSld>
+  <p:clrMapOvr>
+    <a:masterClrMapping/>
+  </p:clrMapOvr>
+</p:sld>
+</file>
+
+<file path=ppt/slides/slide6.xml><?xml version="1.0" encoding="utf-8"?>
+<p:sld xmlns:a="http://schemas.openxmlformats.org/drawingml/2006/main" xmlns:r="http://schemas.openxmlformats.org/officeDocument/2006/relationships" xmlns:p="http://schemas.openxmlformats.org/presentationml/2006/main">
+  <p:cSld>
+    <p:spTree>
+      <p:nvGrpSpPr>
+        <p:cNvPr id="1" name="">
+          <a:extLst>
+            <a:ext uri="{FF2B5EF4-FFF2-40B4-BE49-F238E27FC236}">
+              <a16:creationId xmlns:a16="http://schemas.microsoft.com/office/drawing/2014/main" id="{D325637E-43C3-446D-37C6-D02E20816467}"/>
+            </a:ext>
+          </a:extLst>
+        </p:cNvPr>
+        <p:cNvGrpSpPr/>
+        <p:nvPr/>
+      </p:nvGrpSpPr>
+      <p:grpSpPr>
+        <a:xfrm>
+          <a:off x="0" y="0"/>
+          <a:ext cx="0" cy="0"/>
+          <a:chOff x="0" y="0"/>
+          <a:chExt cx="0" cy="0"/>
+        </a:xfrm>
+      </p:grpSpPr>
+      <p:sp>
+        <p:nvSpPr>
+          <p:cNvPr id="2" name="Title 1">
+            <a:extLst>
+              <a:ext uri="{FF2B5EF4-FFF2-40B4-BE49-F238E27FC236}">
+                <a16:creationId xmlns:a16="http://schemas.microsoft.com/office/drawing/2014/main" id="{72022BB2-C9A3-339D-2846-D4FB2B1CE8CF}"/>
+              </a:ext>
+            </a:extLst>
+          </p:cNvPr>
+          <p:cNvSpPr>
+            <a:spLocks noGrp="1"/>
+          </p:cNvSpPr>
+          <p:nvPr>
+            <p:ph type="title"/>
+          </p:nvPr>
+        </p:nvSpPr>
+        <p:spPr>
+          <a:xfrm>
+            <a:off x="1735055" y="174946"/>
+            <a:ext cx="10166659" cy="1400530"/>
+          </a:xfrm>
+        </p:spPr>
+        <p:txBody>
+          <a:bodyPr/>
+          <a:lstStyle/>
+          <a:p>
+            <a:r>
+              <a:rPr lang="en-US" sz="3200" b="1" dirty="0"/>
+              <a:t>01. What is a Regular Expression?</a:t>
+            </a:r>
+            <a:br>
+              <a:rPr lang="en-US" sz="3200" dirty="0"/>
+            </a:br>
+            <a:r>
+              <a:rPr lang="en-US" sz="3200" dirty="0"/>
+              <a:t>01.05 Matching Any Character</a:t>
+            </a:r>
+            <a:endParaRPr lang="ru-RU" sz="3200" dirty="0"/>
+          </a:p>
+        </p:txBody>
+      </p:sp>
+      <p:sp>
+        <p:nvSpPr>
+          <p:cNvPr id="3" name="TextBox 2">
+            <a:extLst>
+              <a:ext uri="{FF2B5EF4-FFF2-40B4-BE49-F238E27FC236}">
+                <a16:creationId xmlns:a16="http://schemas.microsoft.com/office/drawing/2014/main" id="{1360CE8B-3720-63A7-6BC4-924BBEC6A091}"/>
+              </a:ext>
+            </a:extLst>
+          </p:cNvPr>
+          <p:cNvSpPr txBox="1"/>
+          <p:nvPr/>
+        </p:nvSpPr>
+        <p:spPr>
+          <a:xfrm>
+            <a:off x="11506" y="8587"/>
+            <a:ext cx="1723549" cy="1015663"/>
+          </a:xfrm>
+          <a:prstGeom prst="rect">
+            <a:avLst/>
+          </a:prstGeom>
+          <a:noFill/>
+        </p:spPr>
+        <p:txBody>
+          <a:bodyPr wrap="none" rtlCol="0" anchor="ctr">
+            <a:spAutoFit/>
+          </a:bodyPr>
+          <a:lstStyle/>
+          <a:p>
+            <a:pPr algn="ctr"/>
+            <a:r>
+              <a:rPr lang="en-US" sz="6000" dirty="0">
+                <a:solidFill>
+                  <a:schemeClr val="tx1">
+                    <a:lumMod val="95000"/>
+                  </a:schemeClr>
+                </a:solidFill>
+                <a:latin typeface="Arial Black" panose="020B0A04020102020204" pitchFamily="34" charset="0"/>
+              </a:rPr>
+              <a:t>006</a:t>
+            </a:r>
+          </a:p>
+        </p:txBody>
+      </p:sp>
+      <p:pic>
+        <p:nvPicPr>
+          <p:cNvPr id="9" name="Picture 8">
+            <a:extLst>
+              <a:ext uri="{FF2B5EF4-FFF2-40B4-BE49-F238E27FC236}">
+                <a16:creationId xmlns:a16="http://schemas.microsoft.com/office/drawing/2014/main" id="{55E88204-7012-5FAE-E1C5-C33C2362BF43}"/>
+              </a:ext>
+            </a:extLst>
+          </p:cNvPr>
+          <p:cNvPicPr>
+            <a:picLocks noChangeAspect="1"/>
+          </p:cNvPicPr>
+          <p:nvPr/>
+        </p:nvPicPr>
+        <p:blipFill>
+          <a:blip r:embed="rId3"/>
+          <a:stretch>
+            <a:fillRect/>
+          </a:stretch>
+        </p:blipFill>
+        <p:spPr>
+          <a:xfrm>
+            <a:off x="115212" y="985329"/>
+            <a:ext cx="1516136" cy="2025644"/>
+          </a:xfrm>
+          <a:prstGeom prst="roundRect">
+            <a:avLst>
+              <a:gd name="adj" fmla="val 8594"/>
+            </a:avLst>
+          </a:prstGeom>
+          <a:solidFill>
+            <a:srgbClr val="FFFFFF">
+              <a:shade val="85000"/>
+            </a:srgbClr>
+          </a:solidFill>
+          <a:ln>
+            <a:noFill/>
+          </a:ln>
+          <a:effectLst>
+            <a:reflection blurRad="12700" stA="38000" endPos="28000" dist="5000" dir="5400000" sy="-100000" algn="bl" rotWithShape="0"/>
+          </a:effectLst>
+        </p:spPr>
+      </p:pic>
+      <p:sp>
+        <p:nvSpPr>
+          <p:cNvPr id="5" name="Content Placeholder 4">
+            <a:extLst>
+              <a:ext uri="{FF2B5EF4-FFF2-40B4-BE49-F238E27FC236}">
+                <a16:creationId xmlns:a16="http://schemas.microsoft.com/office/drawing/2014/main" id="{8C3A43AF-0C50-E5C3-9FCE-0F84A0756A55}"/>
+              </a:ext>
+            </a:extLst>
+          </p:cNvPr>
+          <p:cNvSpPr>
+            <a:spLocks noGrp="1"/>
+          </p:cNvSpPr>
+          <p:nvPr>
+            <p:ph idx="1"/>
+          </p:nvPr>
+        </p:nvSpPr>
+        <p:spPr/>
+        <p:txBody>
+          <a:bodyPr/>
+          <a:lstStyle/>
+          <a:p>
+            <a:endParaRPr lang="en-US"/>
+          </a:p>
+        </p:txBody>
+      </p:sp>
+    </p:spTree>
+    <p:extLst>
+      <p:ext uri="{BB962C8B-B14F-4D97-AF65-F5344CB8AC3E}">
+        <p14:creationId xmlns:p14="http://schemas.microsoft.com/office/powerpoint/2010/main" val="3978941663"/>
+      </p:ext>
+    </p:extLst>
+  </p:cSld>
+  <p:clrMapOvr>
+    <a:masterClrMapping/>
+  </p:clrMapOvr>
+</p:sld>
+</file>
+
+<file path=ppt/slides/slide7.xml><?xml version="1.0" encoding="utf-8"?>
+<p:sld xmlns:a="http://schemas.openxmlformats.org/drawingml/2006/main" xmlns:r="http://schemas.openxmlformats.org/officeDocument/2006/relationships" xmlns:p="http://schemas.openxmlformats.org/presentationml/2006/main">
+  <p:cSld>
+    <p:spTree>
+      <p:nvGrpSpPr>
+        <p:cNvPr id="1" name="">
+          <a:extLst>
+            <a:ext uri="{FF2B5EF4-FFF2-40B4-BE49-F238E27FC236}">
+              <a16:creationId xmlns:a16="http://schemas.microsoft.com/office/drawing/2014/main" id="{C6E7E23E-F034-313E-3987-C5A941A2F450}"/>
+            </a:ext>
+          </a:extLst>
+        </p:cNvPr>
+        <p:cNvGrpSpPr/>
+        <p:nvPr/>
+      </p:nvGrpSpPr>
+      <p:grpSpPr>
+        <a:xfrm>
+          <a:off x="0" y="0"/>
+          <a:ext cx="0" cy="0"/>
+          <a:chOff x="0" y="0"/>
+          <a:chExt cx="0" cy="0"/>
+        </a:xfrm>
+      </p:grpSpPr>
+      <p:sp>
+        <p:nvSpPr>
+          <p:cNvPr id="2" name="Title 1">
+            <a:extLst>
+              <a:ext uri="{FF2B5EF4-FFF2-40B4-BE49-F238E27FC236}">
+                <a16:creationId xmlns:a16="http://schemas.microsoft.com/office/drawing/2014/main" id="{9D543952-404B-9ADD-16E4-D44CE29B4424}"/>
+              </a:ext>
+            </a:extLst>
+          </p:cNvPr>
+          <p:cNvSpPr>
+            <a:spLocks noGrp="1"/>
+          </p:cNvSpPr>
+          <p:nvPr>
+            <p:ph type="title"/>
+          </p:nvPr>
+        </p:nvSpPr>
+        <p:spPr>
+          <a:xfrm>
+            <a:off x="1735055" y="174946"/>
+            <a:ext cx="10166659" cy="1400530"/>
+          </a:xfrm>
+        </p:spPr>
+        <p:txBody>
+          <a:bodyPr/>
+          <a:lstStyle/>
+          <a:p>
+            <a:r>
+              <a:rPr lang="en-US" sz="3200" b="1" dirty="0"/>
+              <a:t>01. What is a Regular Expression?</a:t>
+            </a:r>
+            <a:br>
+              <a:rPr lang="en-US" sz="3200" dirty="0"/>
+            </a:br>
+            <a:r>
+              <a:rPr lang="en-US" sz="3200" dirty="0"/>
+              <a:t>01.06 Capturing Groups and Back References</a:t>
+            </a:r>
+            <a:endParaRPr lang="ru-RU" sz="3200" dirty="0"/>
+          </a:p>
+        </p:txBody>
+      </p:sp>
+      <p:sp>
+        <p:nvSpPr>
+          <p:cNvPr id="3" name="TextBox 2">
+            <a:extLst>
+              <a:ext uri="{FF2B5EF4-FFF2-40B4-BE49-F238E27FC236}">
+                <a16:creationId xmlns:a16="http://schemas.microsoft.com/office/drawing/2014/main" id="{E358C1A1-2408-2F0C-7EF2-0D7BE288D64E}"/>
+              </a:ext>
+            </a:extLst>
+          </p:cNvPr>
+          <p:cNvSpPr txBox="1"/>
+          <p:nvPr/>
+        </p:nvSpPr>
+        <p:spPr>
+          <a:xfrm>
+            <a:off x="11506" y="8587"/>
+            <a:ext cx="1723549" cy="1015663"/>
+          </a:xfrm>
+          <a:prstGeom prst="rect">
+            <a:avLst/>
+          </a:prstGeom>
+          <a:noFill/>
+        </p:spPr>
+        <p:txBody>
+          <a:bodyPr wrap="none" rtlCol="0" anchor="ctr">
+            <a:spAutoFit/>
+          </a:bodyPr>
+          <a:lstStyle/>
+          <a:p>
+            <a:pPr algn="ctr"/>
+            <a:r>
+              <a:rPr lang="en-US" sz="6000" dirty="0">
+                <a:solidFill>
+                  <a:schemeClr val="tx1">
+                    <a:lumMod val="95000"/>
+                  </a:schemeClr>
+                </a:solidFill>
+                <a:latin typeface="Arial Black" panose="020B0A04020102020204" pitchFamily="34" charset="0"/>
+              </a:rPr>
+              <a:t>007</a:t>
+            </a:r>
+          </a:p>
+        </p:txBody>
+      </p:sp>
+      <p:pic>
+        <p:nvPicPr>
+          <p:cNvPr id="9" name="Picture 8">
+            <a:extLst>
+              <a:ext uri="{FF2B5EF4-FFF2-40B4-BE49-F238E27FC236}">
+                <a16:creationId xmlns:a16="http://schemas.microsoft.com/office/drawing/2014/main" id="{D3DA4DBF-A089-B214-25C8-606188C88A32}"/>
+              </a:ext>
+            </a:extLst>
+          </p:cNvPr>
+          <p:cNvPicPr>
+            <a:picLocks noChangeAspect="1"/>
+          </p:cNvPicPr>
+          <p:nvPr/>
+        </p:nvPicPr>
+        <p:blipFill>
+          <a:blip r:embed="rId3"/>
+          <a:stretch>
+            <a:fillRect/>
+          </a:stretch>
+        </p:blipFill>
+        <p:spPr>
+          <a:xfrm>
+            <a:off x="115212" y="985329"/>
+            <a:ext cx="1516136" cy="2025644"/>
+          </a:xfrm>
+          <a:prstGeom prst="roundRect">
+            <a:avLst>
+              <a:gd name="adj" fmla="val 8594"/>
+            </a:avLst>
+          </a:prstGeom>
+          <a:solidFill>
+            <a:srgbClr val="FFFFFF">
+              <a:shade val="85000"/>
+            </a:srgbClr>
+          </a:solidFill>
+          <a:ln>
+            <a:noFill/>
+          </a:ln>
+          <a:effectLst>
+            <a:reflection blurRad="12700" stA="38000" endPos="28000" dist="5000" dir="5400000" sy="-100000" algn="bl" rotWithShape="0"/>
+          </a:effectLst>
+        </p:spPr>
+      </p:pic>
+      <p:sp>
+        <p:nvSpPr>
+          <p:cNvPr id="5" name="Content Placeholder 4">
+            <a:extLst>
+              <a:ext uri="{FF2B5EF4-FFF2-40B4-BE49-F238E27FC236}">
+                <a16:creationId xmlns:a16="http://schemas.microsoft.com/office/drawing/2014/main" id="{890D0CC2-6501-30C8-DE79-32A09AB2EB2A}"/>
+              </a:ext>
+            </a:extLst>
+          </p:cNvPr>
+          <p:cNvSpPr>
+            <a:spLocks noGrp="1"/>
+          </p:cNvSpPr>
+          <p:nvPr>
+            <p:ph idx="1"/>
+          </p:nvPr>
+        </p:nvSpPr>
+        <p:spPr/>
+        <p:txBody>
+          <a:bodyPr/>
+          <a:lstStyle/>
+          <a:p>
+            <a:endParaRPr lang="en-US"/>
+          </a:p>
+        </p:txBody>
+      </p:sp>
+    </p:spTree>
+    <p:extLst>
+      <p:ext uri="{BB962C8B-B14F-4D97-AF65-F5344CB8AC3E}">
+        <p14:creationId xmlns:p14="http://schemas.microsoft.com/office/powerpoint/2010/main" val="893366202"/>
+      </p:ext>
+    </p:extLst>
+  </p:cSld>
+  <p:clrMapOvr>
+    <a:masterClrMapping/>
+  </p:clrMapOvr>
+</p:sld>
+</file>
+
+<file path=ppt/slides/slide8.xml><?xml version="1.0" encoding="utf-8"?>
+<p:sld xmlns:a="http://schemas.openxmlformats.org/drawingml/2006/main" xmlns:r="http://schemas.openxmlformats.org/officeDocument/2006/relationships" xmlns:p="http://schemas.openxmlformats.org/presentationml/2006/main">
+  <p:cSld>
+    <p:spTree>
+      <p:nvGrpSpPr>
+        <p:cNvPr id="1" name="">
+          <a:extLst>
+            <a:ext uri="{FF2B5EF4-FFF2-40B4-BE49-F238E27FC236}">
+              <a16:creationId xmlns:a16="http://schemas.microsoft.com/office/drawing/2014/main" id="{AD97417F-840B-B5BB-AD66-910D9C7DB26E}"/>
+            </a:ext>
+          </a:extLst>
+        </p:cNvPr>
+        <p:cNvGrpSpPr/>
+        <p:nvPr/>
+      </p:nvGrpSpPr>
+      <p:grpSpPr>
+        <a:xfrm>
+          <a:off x="0" y="0"/>
+          <a:ext cx="0" cy="0"/>
+          <a:chOff x="0" y="0"/>
+          <a:chExt cx="0" cy="0"/>
+        </a:xfrm>
+      </p:grpSpPr>
+      <p:sp>
+        <p:nvSpPr>
+          <p:cNvPr id="2" name="Title 1">
+            <a:extLst>
+              <a:ext uri="{FF2B5EF4-FFF2-40B4-BE49-F238E27FC236}">
+                <a16:creationId xmlns:a16="http://schemas.microsoft.com/office/drawing/2014/main" id="{94D4DDF1-8D92-C723-AE42-9DABB52933D6}"/>
+              </a:ext>
+            </a:extLst>
+          </p:cNvPr>
+          <p:cNvSpPr>
+            <a:spLocks noGrp="1"/>
+          </p:cNvSpPr>
+          <p:nvPr>
+            <p:ph type="title"/>
+          </p:nvPr>
+        </p:nvSpPr>
+        <p:spPr>
+          <a:xfrm>
+            <a:off x="1735055" y="174946"/>
+            <a:ext cx="10166659" cy="1400530"/>
+          </a:xfrm>
+        </p:spPr>
+        <p:txBody>
+          <a:bodyPr/>
+          <a:lstStyle/>
+          <a:p>
+            <a:r>
+              <a:rPr lang="en-US" sz="3200" b="1" dirty="0"/>
+              <a:t>01. What is a Regular Expression?</a:t>
+            </a:r>
+            <a:br>
+              <a:rPr lang="en-US" sz="3200" dirty="0"/>
+            </a:br>
+            <a:r>
+              <a:rPr lang="en-US" sz="3200" dirty="0"/>
+              <a:t>01.07 Using Quantifiers</a:t>
+            </a:r>
+            <a:endParaRPr lang="ru-RU" sz="3200" dirty="0"/>
+          </a:p>
+        </p:txBody>
+      </p:sp>
+      <p:sp>
+        <p:nvSpPr>
+          <p:cNvPr id="3" name="TextBox 2">
+            <a:extLst>
+              <a:ext uri="{FF2B5EF4-FFF2-40B4-BE49-F238E27FC236}">
+                <a16:creationId xmlns:a16="http://schemas.microsoft.com/office/drawing/2014/main" id="{F4D9A46B-C991-3110-275D-944DB1EEDADC}"/>
+              </a:ext>
+            </a:extLst>
+          </p:cNvPr>
+          <p:cNvSpPr txBox="1"/>
+          <p:nvPr/>
+        </p:nvSpPr>
+        <p:spPr>
+          <a:xfrm>
+            <a:off x="11506" y="8587"/>
+            <a:ext cx="1723549" cy="1015663"/>
+          </a:xfrm>
+          <a:prstGeom prst="rect">
+            <a:avLst/>
+          </a:prstGeom>
+          <a:noFill/>
+        </p:spPr>
+        <p:txBody>
+          <a:bodyPr wrap="none" rtlCol="0" anchor="ctr">
+            <a:spAutoFit/>
+          </a:bodyPr>
+          <a:lstStyle/>
+          <a:p>
+            <a:pPr algn="ctr"/>
+            <a:r>
+              <a:rPr lang="en-US" sz="6000" dirty="0">
+                <a:solidFill>
+                  <a:schemeClr val="tx1">
+                    <a:lumMod val="95000"/>
+                  </a:schemeClr>
+                </a:solidFill>
+                <a:latin typeface="Arial Black" panose="020B0A04020102020204" pitchFamily="34" charset="0"/>
+              </a:rPr>
+              <a:t>008</a:t>
+            </a:r>
+          </a:p>
+        </p:txBody>
+      </p:sp>
+      <p:pic>
+        <p:nvPicPr>
+          <p:cNvPr id="9" name="Picture 8">
+            <a:extLst>
+              <a:ext uri="{FF2B5EF4-FFF2-40B4-BE49-F238E27FC236}">
+                <a16:creationId xmlns:a16="http://schemas.microsoft.com/office/drawing/2014/main" id="{8CC2F105-A360-E9D7-4538-6179FCE78446}"/>
+              </a:ext>
+            </a:extLst>
+          </p:cNvPr>
+          <p:cNvPicPr>
+            <a:picLocks noChangeAspect="1"/>
+          </p:cNvPicPr>
+          <p:nvPr/>
+        </p:nvPicPr>
+        <p:blipFill>
+          <a:blip r:embed="rId3"/>
+          <a:stretch>
+            <a:fillRect/>
+          </a:stretch>
+        </p:blipFill>
+        <p:spPr>
+          <a:xfrm>
+            <a:off x="115212" y="985329"/>
+            <a:ext cx="1516136" cy="2025644"/>
+          </a:xfrm>
+          <a:prstGeom prst="roundRect">
+            <a:avLst>
+              <a:gd name="adj" fmla="val 8594"/>
+            </a:avLst>
+          </a:prstGeom>
+          <a:solidFill>
+            <a:srgbClr val="FFFFFF">
+              <a:shade val="85000"/>
+            </a:srgbClr>
+          </a:solidFill>
+          <a:ln>
+            <a:noFill/>
+          </a:ln>
+          <a:effectLst>
+            <a:reflection blurRad="12700" stA="38000" endPos="28000" dist="5000" dir="5400000" sy="-100000" algn="bl" rotWithShape="0"/>
+          </a:effectLst>
+        </p:spPr>
+      </p:pic>
+      <p:sp>
+        <p:nvSpPr>
+          <p:cNvPr id="5" name="Content Placeholder 4">
+            <a:extLst>
+              <a:ext uri="{FF2B5EF4-FFF2-40B4-BE49-F238E27FC236}">
+                <a16:creationId xmlns:a16="http://schemas.microsoft.com/office/drawing/2014/main" id="{4A5C278A-13EF-D303-3436-CF7CC610E801}"/>
+              </a:ext>
+            </a:extLst>
+          </p:cNvPr>
+          <p:cNvSpPr>
+            <a:spLocks noGrp="1"/>
+          </p:cNvSpPr>
+          <p:nvPr>
+            <p:ph idx="1"/>
+          </p:nvPr>
+        </p:nvSpPr>
+        <p:spPr/>
+        <p:txBody>
+          <a:bodyPr/>
+          <a:lstStyle/>
+          <a:p>
+            <a:endParaRPr lang="en-US"/>
+          </a:p>
+        </p:txBody>
+      </p:sp>
+    </p:spTree>
+    <p:extLst>
+      <p:ext uri="{BB962C8B-B14F-4D97-AF65-F5344CB8AC3E}">
+        <p14:creationId xmlns:p14="http://schemas.microsoft.com/office/powerpoint/2010/main" val="1162464880"/>
+      </p:ext>
+    </p:extLst>
+  </p:cSld>
+  <p:clrMapOvr>
+    <a:masterClrMapping/>
+  </p:clrMapOvr>
+</p:sld>
+</file>
+
+<file path=ppt/slides/slide9.xml><?xml version="1.0" encoding="utf-8"?>
+<p:sld xmlns:a="http://schemas.openxmlformats.org/drawingml/2006/main" xmlns:r="http://schemas.openxmlformats.org/officeDocument/2006/relationships" xmlns:p="http://schemas.openxmlformats.org/presentationml/2006/main">
+  <p:cSld>
+    <p:spTree>
+      <p:nvGrpSpPr>
+        <p:cNvPr id="1" name="">
+          <a:extLst>
+            <a:ext uri="{FF2B5EF4-FFF2-40B4-BE49-F238E27FC236}">
+              <a16:creationId xmlns:a16="http://schemas.microsoft.com/office/drawing/2014/main" id="{1103FC56-9472-0852-754A-5A4D05B729C4}"/>
+            </a:ext>
+          </a:extLst>
+        </p:cNvPr>
+        <p:cNvGrpSpPr/>
+        <p:nvPr/>
+      </p:nvGrpSpPr>
+      <p:grpSpPr>
+        <a:xfrm>
+          <a:off x="0" y="0"/>
+          <a:ext cx="0" cy="0"/>
+          <a:chOff x="0" y="0"/>
+          <a:chExt cx="0" cy="0"/>
+        </a:xfrm>
+      </p:grpSpPr>
+      <p:sp>
+        <p:nvSpPr>
+          <p:cNvPr id="2" name="Title 1">
+            <a:extLst>
+              <a:ext uri="{FF2B5EF4-FFF2-40B4-BE49-F238E27FC236}">
+                <a16:creationId xmlns:a16="http://schemas.microsoft.com/office/drawing/2014/main" id="{70492D87-5651-BBF1-1E73-8AB4EDB0C520}"/>
+              </a:ext>
+            </a:extLst>
+          </p:cNvPr>
+          <p:cNvSpPr>
+            <a:spLocks noGrp="1"/>
+          </p:cNvSpPr>
+          <p:nvPr>
+            <p:ph type="title"/>
+          </p:nvPr>
+        </p:nvSpPr>
+        <p:spPr>
+          <a:xfrm>
+            <a:off x="1735055" y="174946"/>
+            <a:ext cx="10166659" cy="1400530"/>
+          </a:xfrm>
+        </p:spPr>
+        <p:txBody>
+          <a:bodyPr/>
+          <a:lstStyle/>
+          <a:p>
+            <a:r>
+              <a:rPr lang="en-US" sz="3200" b="1" dirty="0"/>
+              <a:t>01. What is a Regular Expression?</a:t>
+            </a:r>
+            <a:br>
+              <a:rPr lang="en-US" sz="3200" dirty="0"/>
+            </a:br>
+            <a:r>
+              <a:rPr lang="en-US" sz="3200" dirty="0"/>
+              <a:t>01.08 Quoting Literals</a:t>
+            </a:r>
+            <a:endParaRPr lang="ru-RU" sz="3200" dirty="0"/>
+          </a:p>
+        </p:txBody>
+      </p:sp>
+      <p:sp>
+        <p:nvSpPr>
+          <p:cNvPr id="3" name="TextBox 2">
+            <a:extLst>
+              <a:ext uri="{FF2B5EF4-FFF2-40B4-BE49-F238E27FC236}">
+                <a16:creationId xmlns:a16="http://schemas.microsoft.com/office/drawing/2014/main" id="{5151B196-D0EC-BDD5-CE22-090C636BD403}"/>
+              </a:ext>
+            </a:extLst>
+          </p:cNvPr>
+          <p:cNvSpPr txBox="1"/>
+          <p:nvPr/>
+        </p:nvSpPr>
+        <p:spPr>
+          <a:xfrm>
+            <a:off x="11506" y="8587"/>
+            <a:ext cx="1723549" cy="1015663"/>
+          </a:xfrm>
+          <a:prstGeom prst="rect">
+            <a:avLst/>
+          </a:prstGeom>
+          <a:noFill/>
+        </p:spPr>
+        <p:txBody>
+          <a:bodyPr wrap="none" rtlCol="0" anchor="ctr">
+            <a:spAutoFit/>
+          </a:bodyPr>
+          <a:lstStyle/>
+          <a:p>
+            <a:pPr algn="ctr"/>
+            <a:r>
+              <a:rPr lang="en-US" sz="6000" dirty="0">
+                <a:solidFill>
+                  <a:schemeClr val="tx1">
+                    <a:lumMod val="95000"/>
+                  </a:schemeClr>
+                </a:solidFill>
+                <a:latin typeface="Arial Black" panose="020B0A04020102020204" pitchFamily="34" charset="0"/>
+              </a:rPr>
+              <a:t>009</a:t>
+            </a:r>
+          </a:p>
+        </p:txBody>
+      </p:sp>
+      <p:pic>
+        <p:nvPicPr>
+          <p:cNvPr id="9" name="Picture 8">
+            <a:extLst>
+              <a:ext uri="{FF2B5EF4-FFF2-40B4-BE49-F238E27FC236}">
+                <a16:creationId xmlns:a16="http://schemas.microsoft.com/office/drawing/2014/main" id="{62A90A97-C68D-673F-56B8-2D02943983A8}"/>
+              </a:ext>
+            </a:extLst>
+          </p:cNvPr>
+          <p:cNvPicPr>
+            <a:picLocks noChangeAspect="1"/>
+          </p:cNvPicPr>
+          <p:nvPr/>
+        </p:nvPicPr>
+        <p:blipFill>
+          <a:blip r:embed="rId3"/>
+          <a:stretch>
+            <a:fillRect/>
+          </a:stretch>
+        </p:blipFill>
+        <p:spPr>
+          <a:xfrm>
+            <a:off x="115212" y="985329"/>
+            <a:ext cx="1516136" cy="2025644"/>
+          </a:xfrm>
+          <a:prstGeom prst="roundRect">
+            <a:avLst>
+              <a:gd name="adj" fmla="val 8594"/>
+            </a:avLst>
+          </a:prstGeom>
+          <a:solidFill>
+            <a:srgbClr val="FFFFFF">
+              <a:shade val="85000"/>
+            </a:srgbClr>
+          </a:solidFill>
+          <a:ln>
+            <a:noFill/>
+          </a:ln>
+          <a:effectLst>
+            <a:reflection blurRad="12700" stA="38000" endPos="28000" dist="5000" dir="5400000" sy="-100000" algn="bl" rotWithShape="0"/>
+          </a:effectLst>
+        </p:spPr>
+      </p:pic>
+      <p:sp>
+        <p:nvSpPr>
+          <p:cNvPr id="5" name="Content Placeholder 4">
+            <a:extLst>
+              <a:ext uri="{FF2B5EF4-FFF2-40B4-BE49-F238E27FC236}">
+                <a16:creationId xmlns:a16="http://schemas.microsoft.com/office/drawing/2014/main" id="{BDAE57A1-9D6A-A998-51DA-9FDB0AD86461}"/>
+              </a:ext>
+            </a:extLst>
+          </p:cNvPr>
+          <p:cNvSpPr>
+            <a:spLocks noGrp="1"/>
+          </p:cNvSpPr>
+          <p:nvPr>
+            <p:ph idx="1"/>
+          </p:nvPr>
+        </p:nvSpPr>
+        <p:spPr/>
+        <p:txBody>
+          <a:bodyPr/>
+          <a:lstStyle/>
+          <a:p>
+            <a:endParaRPr lang="en-US"/>
+          </a:p>
+        </p:txBody>
+      </p:sp>
+    </p:spTree>
+    <p:extLst>
+      <p:ext uri="{BB962C8B-B14F-4D97-AF65-F5344CB8AC3E}">
+        <p14:creationId xmlns:p14="http://schemas.microsoft.com/office/powerpoint/2010/main" val="2527424017"/>
       </p:ext>
     </p:extLst>
   </p:cSld>
@@ -8903,6 +11053,24 @@
 </file>
 
 <file path=customXml/item1.xml><?xml version="1.0" encoding="utf-8"?>
+<?mso-contentType ?>
+<FormTemplates xmlns="http://schemas.microsoft.com/sharepoint/v3/contenttype/forms">
+  <Display>DocumentLibraryForm</Display>
+  <Edit>DocumentLibraryForm</Edit>
+  <New>DocumentLibraryForm</New>
+</FormTemplates>
+</file>
+
+<file path=customXml/item2.xml><?xml version="1.0" encoding="utf-8"?>
+<p:properties xmlns:p="http://schemas.microsoft.com/office/2006/metadata/properties" xmlns:xsi="http://www.w3.org/2001/XMLSchema-instance" xmlns:pc="http://schemas.microsoft.com/office/infopath/2007/PartnerControls">
+  <documentManagement>
+    <Status xmlns="71af3243-3dd4-4a8d-8c0d-dd76da1f02a5">Not started</Status>
+    <MediaServiceKeyPoints xmlns="71af3243-3dd4-4a8d-8c0d-dd76da1f02a5" xsi:nil="true"/>
+  </documentManagement>
+</p:properties>
+</file>
+
+<file path=customXml/item3.xml><?xml version="1.0" encoding="utf-8"?>
 <ct:contentTypeSchema xmlns:ct="http://schemas.microsoft.com/office/2006/metadata/contentType" xmlns:ma="http://schemas.microsoft.com/office/2006/metadata/properties/metaAttributes" ct:_="" ma:_="" ma:contentTypeName="Document" ma:contentTypeID="0x01010079F111ED35F8CC479449609E8A0923A6" ma:contentTypeVersion="12" ma:contentTypeDescription="Create a new document." ma:contentTypeScope="" ma:versionID="93813dd7ca6ad654711aa0ab317e03a3">
   <xsd:schema xmlns:xsd="http://www.w3.org/2001/XMLSchema" xmlns:xs="http://www.w3.org/2001/XMLSchema" xmlns:p="http://schemas.microsoft.com/office/2006/metadata/properties" xmlns:ns2="71af3243-3dd4-4a8d-8c0d-dd76da1f02a5" xmlns:ns3="16c05727-aa75-4e4a-9b5f-8a80a1165891" targetNamespace="http://schemas.microsoft.com/office/2006/metadata/properties" ma:root="true" ma:fieldsID="f11dc0ce689dd3925e84e4e35398c6e7" ns2:_="" ns3:_="">
     <xsd:import namespace="71af3243-3dd4-4a8d-8c0d-dd76da1f02a5"/>
@@ -9123,25 +11291,25 @@
 </ct:contentTypeSchema>
 </file>
 
-<file path=customXml/item2.xml><?xml version="1.0" encoding="utf-8"?>
-<p:properties xmlns:p="http://schemas.microsoft.com/office/2006/metadata/properties" xmlns:xsi="http://www.w3.org/2001/XMLSchema-instance" xmlns:pc="http://schemas.microsoft.com/office/infopath/2007/PartnerControls">
-  <documentManagement>
-    <Status xmlns="71af3243-3dd4-4a8d-8c0d-dd76da1f02a5">Not started</Status>
-    <MediaServiceKeyPoints xmlns="71af3243-3dd4-4a8d-8c0d-dd76da1f02a5" xsi:nil="true"/>
-  </documentManagement>
-</p:properties>
+<file path=customXml/itemProps1.xml><?xml version="1.0" encoding="utf-8"?>
+<ds:datastoreItem xmlns:ds="http://schemas.openxmlformats.org/officeDocument/2006/customXml" ds:itemID="{0D16958A-754B-4396-9457-FD7A427A37DD}">
+  <ds:schemaRefs>
+    <ds:schemaRef ds:uri="http://schemas.microsoft.com/sharepoint/v3/contenttype/forms"/>
+  </ds:schemaRefs>
+</ds:datastoreItem>
 </file>
 
-<file path=customXml/item3.xml><?xml version="1.0" encoding="utf-8"?>
-<?mso-contentType ?>
-<FormTemplates xmlns="http://schemas.microsoft.com/sharepoint/v3/contenttype/forms">
-  <Display>DocumentLibraryForm</Display>
-  <Edit>DocumentLibraryForm</Edit>
-  <New>DocumentLibraryForm</New>
-</FormTemplates>
+<file path=customXml/itemProps2.xml><?xml version="1.0" encoding="utf-8"?>
+<ds:datastoreItem xmlns:ds="http://schemas.openxmlformats.org/officeDocument/2006/customXml" ds:itemID="{048C88F1-1664-415F-AFCE-F6CF45809817}">
+  <ds:schemaRefs>
+    <ds:schemaRef ds:uri="http://schemas.microsoft.com/office/2006/metadata/properties"/>
+    <ds:schemaRef ds:uri="http://schemas.microsoft.com/office/infopath/2007/PartnerControls"/>
+    <ds:schemaRef ds:uri="71af3243-3dd4-4a8d-8c0d-dd76da1f02a5"/>
+  </ds:schemaRefs>
+</ds:datastoreItem>
 </file>
 
-<file path=customXml/itemProps1.xml><?xml version="1.0" encoding="utf-8"?>
+<file path=customXml/itemProps3.xml><?xml version="1.0" encoding="utf-8"?>
 <ds:datastoreItem xmlns:ds="http://schemas.openxmlformats.org/officeDocument/2006/customXml" ds:itemID="{CC30393A-FEC6-4A44-9E4A-6EA49F1F7DC0}">
   <ds:schemaRefs>
     <ds:schemaRef ds:uri="http://schemas.microsoft.com/office/2006/metadata/contentType"/>
@@ -9158,22 +11326,4 @@
     <ds:schemaRef ds:uri="http://schemas.microsoft.com/internal/obd"/>
   </ds:schemaRefs>
 </ds:datastoreItem>
-</file>
-
-<file path=customXml/itemProps2.xml><?xml version="1.0" encoding="utf-8"?>
-<ds:datastoreItem xmlns:ds="http://schemas.openxmlformats.org/officeDocument/2006/customXml" ds:itemID="{048C88F1-1664-415F-AFCE-F6CF45809817}">
-  <ds:schemaRefs>
-    <ds:schemaRef ds:uri="http://schemas.microsoft.com/office/2006/metadata/properties"/>
-    <ds:schemaRef ds:uri="http://schemas.microsoft.com/office/infopath/2007/PartnerControls"/>
-    <ds:schemaRef ds:uri="71af3243-3dd4-4a8d-8c0d-dd76da1f02a5"/>
-  </ds:schemaRefs>
-</ds:datastoreItem>
-</file>
-
-<file path=customXml/itemProps3.xml><?xml version="1.0" encoding="utf-8"?>
-<ds:datastoreItem xmlns:ds="http://schemas.openxmlformats.org/officeDocument/2006/customXml" ds:itemID="{0D16958A-754B-4396-9457-FD7A427A37DD}">
-  <ds:schemaRefs>
-    <ds:schemaRef ds:uri="http://schemas.microsoft.com/sharepoint/v3/contenttype/forms"/>
-  </ds:schemaRefs>
-</ds:datastoreItem>
 </file>
--- a/Introducing_RE/Introducing_RE.pptx
+++ b/Introducing_RE/Introducing_RE.pptx
@@ -9407,31 +9407,104 @@
           </a:effectLst>
         </p:spPr>
       </p:pic>
-      <p:sp>
-        <p:nvSpPr>
-          <p:cNvPr id="5" name="Content Placeholder 4">
+      <p:pic>
+        <p:nvPicPr>
+          <p:cNvPr id="6" name="Content Placeholder 5">
             <a:extLst>
               <a:ext uri="{FF2B5EF4-FFF2-40B4-BE49-F238E27FC236}">
-                <a16:creationId xmlns:a16="http://schemas.microsoft.com/office/drawing/2014/main" id="{8112F1EE-3C22-5A0E-69D0-585D1BAA0AAE}"/>
+                <a16:creationId xmlns:a16="http://schemas.microsoft.com/office/drawing/2014/main" id="{0536AC7A-E4B3-DD58-C802-C95D0B9AD015}"/>
               </a:ext>
             </a:extLst>
           </p:cNvPr>
-          <p:cNvSpPr>
-            <a:spLocks noGrp="1"/>
-          </p:cNvSpPr>
+          <p:cNvPicPr>
+            <a:picLocks noGrp="1" noChangeAspect="1"/>
+          </p:cNvPicPr>
           <p:nvPr>
             <p:ph idx="1"/>
           </p:nvPr>
-        </p:nvSpPr>
-        <p:spPr/>
-        <p:txBody>
-          <a:bodyPr/>
-          <a:lstStyle/>
-          <a:p>
-            <a:endParaRPr lang="en-US"/>
-          </a:p>
-        </p:txBody>
-      </p:sp>
+        </p:nvPicPr>
+        <p:blipFill>
+          <a:blip r:embed="rId4"/>
+          <a:stretch>
+            <a:fillRect/>
+          </a:stretch>
+        </p:blipFill>
+        <p:spPr>
+          <a:xfrm>
+            <a:off x="1910993" y="1248767"/>
+            <a:ext cx="6626832" cy="5441828"/>
+          </a:xfrm>
+          <a:prstGeom prst="rect">
+            <a:avLst/>
+          </a:prstGeom>
+          <a:ln>
+            <a:noFill/>
+          </a:ln>
+          <a:effectLst>
+            <a:outerShdw blurRad="292100" dist="139700" dir="2700000" algn="tl" rotWithShape="0">
+              <a:srgbClr val="333333">
+                <a:alpha val="65000"/>
+              </a:srgbClr>
+            </a:outerShdw>
+          </a:effectLst>
+        </p:spPr>
+      </p:pic>
+      <p:pic>
+        <p:nvPicPr>
+          <p:cNvPr id="1026" name="Picture 2" descr="Regex basics">
+            <a:extLst>
+              <a:ext uri="{FF2B5EF4-FFF2-40B4-BE49-F238E27FC236}">
+                <a16:creationId xmlns:a16="http://schemas.microsoft.com/office/drawing/2014/main" id="{EA9AE496-027A-0719-6760-AD49BF0492DB}"/>
+              </a:ext>
+            </a:extLst>
+          </p:cNvPr>
+          <p:cNvPicPr>
+            <a:picLocks noChangeAspect="1" noChangeArrowheads="1"/>
+          </p:cNvPicPr>
+          <p:nvPr/>
+        </p:nvPicPr>
+        <p:blipFill>
+          <a:blip r:embed="rId5">
+            <a:extLst>
+              <a:ext uri="{28A0092B-C50C-407E-A947-70E740481C1C}">
+                <a14:useLocalDpi xmlns:a14="http://schemas.microsoft.com/office/drawing/2010/main" val="0"/>
+              </a:ext>
+            </a:extLst>
+          </a:blip>
+          <a:srcRect/>
+          <a:stretch>
+            <a:fillRect/>
+          </a:stretch>
+        </p:blipFill>
+        <p:spPr bwMode="auto">
+          <a:xfrm>
+            <a:off x="7594570" y="2962846"/>
+            <a:ext cx="3748100" cy="3675220"/>
+          </a:xfrm>
+          <a:prstGeom prst="rect">
+            <a:avLst/>
+          </a:prstGeom>
+          <a:ln>
+            <a:noFill/>
+          </a:ln>
+          <a:effectLst>
+            <a:outerShdw blurRad="190500" algn="tl" rotWithShape="0">
+              <a:srgbClr val="000000">
+                <a:alpha val="70000"/>
+              </a:srgbClr>
+            </a:outerShdw>
+          </a:effectLst>
+          <a:extLst>
+            <a:ext uri="{909E8E84-426E-40DD-AFC4-6F175D3DCCD1}">
+              <a14:hiddenFill xmlns:a14="http://schemas.microsoft.com/office/drawing/2010/main">
+                <a:solidFill>
+                  <a:srgbClr val="FFFFFF"/>
+                </a:solidFill>
+              </a14:hiddenFill>
+            </a:ext>
+          </a:extLst>
+        </p:spPr>
+      </p:pic>
     </p:spTree>
     <p:extLst>
       <p:ext uri="{BB962C8B-B14F-4D97-AF65-F5344CB8AC3E}">
